--- a/games/math_riddles/questionbank/ultimato_tool_formaking_mathriddles.pptx
+++ b/games/math_riddles/questionbank/ultimato_tool_formaking_mathriddles.pptx
@@ -104,6 +104,11 @@
       </a:defRPr>
     </a:lvl9pPr>
   </p:defaultTextStyle>
+  <p:extLst>
+    <p:ext uri="{EFAFB233-063F-42B5-8137-9DF3F51BA10A}">
+      <p15:sldGuideLst xmlns:p15="http://schemas.microsoft.com/office/powerpoint/2012/main"/>
+    </p:ext>
+  </p:extLst>
 </p:presentation>
 </file>
 
@@ -254,7 +259,7 @@
           <a:p>
             <a:fld id="{E6972812-BFA0-433F-B0B8-D8659A2FD4BD}" type="datetimeFigureOut">
               <a:rPr lang="en-US" smtClean="0"/>
-              <a:t>6/21/2024</a:t>
+              <a:t>6/25/2024</a:t>
             </a:fld>
             <a:endParaRPr lang="en-US"/>
           </a:p>
@@ -452,7 +457,7 @@
           <a:p>
             <a:fld id="{E6972812-BFA0-433F-B0B8-D8659A2FD4BD}" type="datetimeFigureOut">
               <a:rPr lang="en-US" smtClean="0"/>
-              <a:t>6/21/2024</a:t>
+              <a:t>6/25/2024</a:t>
             </a:fld>
             <a:endParaRPr lang="en-US"/>
           </a:p>
@@ -660,7 +665,7 @@
           <a:p>
             <a:fld id="{E6972812-BFA0-433F-B0B8-D8659A2FD4BD}" type="datetimeFigureOut">
               <a:rPr lang="en-US" smtClean="0"/>
-              <a:t>6/21/2024</a:t>
+              <a:t>6/25/2024</a:t>
             </a:fld>
             <a:endParaRPr lang="en-US"/>
           </a:p>
@@ -858,7 +863,7 @@
           <a:p>
             <a:fld id="{E6972812-BFA0-433F-B0B8-D8659A2FD4BD}" type="datetimeFigureOut">
               <a:rPr lang="en-US" smtClean="0"/>
-              <a:t>6/21/2024</a:t>
+              <a:t>6/25/2024</a:t>
             </a:fld>
             <a:endParaRPr lang="en-US"/>
           </a:p>
@@ -1133,7 +1138,7 @@
           <a:p>
             <a:fld id="{E6972812-BFA0-433F-B0B8-D8659A2FD4BD}" type="datetimeFigureOut">
               <a:rPr lang="en-US" smtClean="0"/>
-              <a:t>6/21/2024</a:t>
+              <a:t>6/25/2024</a:t>
             </a:fld>
             <a:endParaRPr lang="en-US"/>
           </a:p>
@@ -1398,7 +1403,7 @@
           <a:p>
             <a:fld id="{E6972812-BFA0-433F-B0B8-D8659A2FD4BD}" type="datetimeFigureOut">
               <a:rPr lang="en-US" smtClean="0"/>
-              <a:t>6/21/2024</a:t>
+              <a:t>6/25/2024</a:t>
             </a:fld>
             <a:endParaRPr lang="en-US"/>
           </a:p>
@@ -1810,7 +1815,7 @@
           <a:p>
             <a:fld id="{E6972812-BFA0-433F-B0B8-D8659A2FD4BD}" type="datetimeFigureOut">
               <a:rPr lang="en-US" smtClean="0"/>
-              <a:t>6/21/2024</a:t>
+              <a:t>6/25/2024</a:t>
             </a:fld>
             <a:endParaRPr lang="en-US"/>
           </a:p>
@@ -1951,7 +1956,7 @@
           <a:p>
             <a:fld id="{E6972812-BFA0-433F-B0B8-D8659A2FD4BD}" type="datetimeFigureOut">
               <a:rPr lang="en-US" smtClean="0"/>
-              <a:t>6/21/2024</a:t>
+              <a:t>6/25/2024</a:t>
             </a:fld>
             <a:endParaRPr lang="en-US"/>
           </a:p>
@@ -2064,7 +2069,7 @@
           <a:p>
             <a:fld id="{E6972812-BFA0-433F-B0B8-D8659A2FD4BD}" type="datetimeFigureOut">
               <a:rPr lang="en-US" smtClean="0"/>
-              <a:t>6/21/2024</a:t>
+              <a:t>6/25/2024</a:t>
             </a:fld>
             <a:endParaRPr lang="en-US"/>
           </a:p>
@@ -2375,7 +2380,7 @@
           <a:p>
             <a:fld id="{E6972812-BFA0-433F-B0B8-D8659A2FD4BD}" type="datetimeFigureOut">
               <a:rPr lang="en-US" smtClean="0"/>
-              <a:t>6/21/2024</a:t>
+              <a:t>6/25/2024</a:t>
             </a:fld>
             <a:endParaRPr lang="en-US"/>
           </a:p>
@@ -2663,7 +2668,7 @@
           <a:p>
             <a:fld id="{E6972812-BFA0-433F-B0B8-D8659A2FD4BD}" type="datetimeFigureOut">
               <a:rPr lang="en-US" smtClean="0"/>
-              <a:t>6/21/2024</a:t>
+              <a:t>6/25/2024</a:t>
             </a:fld>
             <a:endParaRPr lang="en-US"/>
           </a:p>
@@ -2904,7 +2909,7 @@
           <a:p>
             <a:fld id="{E6972812-BFA0-433F-B0B8-D8659A2FD4BD}" type="datetimeFigureOut">
               <a:rPr lang="en-US" smtClean="0"/>
-              <a:t>6/21/2024</a:t>
+              <a:t>6/25/2024</a:t>
             </a:fld>
             <a:endParaRPr lang="en-US"/>
           </a:p>
@@ -3321,67 +3326,6 @@
           <a:chExt cx="0" cy="0"/>
         </a:xfrm>
       </p:grpSpPr>
-      <p:sp>
-        <p:nvSpPr>
-          <p:cNvPr id="21" name="Rectangle 20">
-            <a:extLst>
-              <a:ext uri="{FF2B5EF4-FFF2-40B4-BE49-F238E27FC236}">
-                <a16:creationId xmlns:a16="http://schemas.microsoft.com/office/drawing/2014/main" id="{71BD2265-D352-ADE9-9CA0-1077AA86EF3A}"/>
-              </a:ext>
-            </a:extLst>
-          </p:cNvPr>
-          <p:cNvSpPr/>
-          <p:nvPr/>
-        </p:nvSpPr>
-        <p:spPr>
-          <a:xfrm>
-            <a:off x="3586180" y="1448696"/>
-            <a:ext cx="5019644" cy="923330"/>
-          </a:xfrm>
-          <a:prstGeom prst="rect">
-            <a:avLst/>
-          </a:prstGeom>
-          <a:noFill/>
-        </p:spPr>
-        <p:txBody>
-          <a:bodyPr wrap="none" lIns="91440" tIns="45720" rIns="91440" bIns="45720">
-            <a:spAutoFit/>
-          </a:bodyPr>
-          <a:lstStyle/>
-          <a:p>
-            <a:pPr algn="ctr"/>
-            <a:r>
-              <a:rPr lang="en-US" sz="5400" b="0" cap="none" spc="0">
-                <a:ln w="0"/>
-                <a:solidFill>
-                  <a:schemeClr val="tx1"/>
-                </a:solidFill>
-                <a:effectLst>
-                  <a:outerShdw blurRad="38100" dist="19050" dir="2700000" algn="tl" rotWithShape="0">
-                    <a:schemeClr val="dk1">
-                      <a:alpha val="40000"/>
-                    </a:schemeClr>
-                  </a:outerShdw>
-                </a:effectLst>
-              </a:rPr>
-              <a:t>COMING SOON…</a:t>
-            </a:r>
-            <a:endParaRPr lang="en-US" sz="5400" b="0" cap="none" spc="0" dirty="0">
-              <a:ln w="0"/>
-              <a:solidFill>
-                <a:schemeClr val="tx1"/>
-              </a:solidFill>
-              <a:effectLst>
-                <a:outerShdw blurRad="38100" dist="19050" dir="2700000" algn="tl" rotWithShape="0">
-                  <a:schemeClr val="dk1">
-                    <a:alpha val="40000"/>
-                  </a:schemeClr>
-                </a:outerShdw>
-              </a:effectLst>
-            </a:endParaRPr>
-          </a:p>
-        </p:txBody>
-      </p:sp>
     </p:spTree>
     <p:extLst>
       <p:ext uri="{BB962C8B-B14F-4D97-AF65-F5344CB8AC3E}">

--- a/games/math_riddles/questionbank/ultimato_tool_formaking_mathriddles.pptx
+++ b/games/math_riddles/questionbank/ultimato_tool_formaking_mathriddles.pptx
@@ -2,18 +2,19 @@
 <file path=ppt/presentation.xml><?xml version="1.0" encoding="utf-8"?>
 <p:presentation xmlns:a="http://schemas.openxmlformats.org/drawingml/2006/main" xmlns:r="http://schemas.openxmlformats.org/officeDocument/2006/relationships" xmlns:p="http://schemas.openxmlformats.org/presentationml/2006/main" saveSubsetFonts="1">
   <p:sldMasterIdLst>
-    <p:sldMasterId id="2147483648" r:id="rId1"/>
+    <p:sldMasterId id="2147483660" r:id="rId1"/>
   </p:sldMasterIdLst>
   <p:sldIdLst>
     <p:sldId id="256" r:id="rId2"/>
+    <p:sldId id="257" r:id="rId3"/>
   </p:sldIdLst>
-  <p:sldSz cx="12192000" cy="6858000"/>
-  <p:notesSz cx="6858000" cy="9144000"/>
+  <p:sldSz cx="6858000" cy="9906000" type="A4"/>
+  <p:notesSz cx="9144000" cy="6858000"/>
   <p:defaultTextStyle>
     <a:defPPr>
       <a:defRPr lang="en-US"/>
     </a:defPPr>
-    <a:lvl1pPr marL="0" algn="l" defTabSz="914400" rtl="0" eaLnBrk="1" latinLnBrk="0" hangingPunct="1">
+    <a:lvl1pPr marL="0" algn="l" defTabSz="457200" rtl="0" eaLnBrk="1" latinLnBrk="0" hangingPunct="1">
       <a:defRPr sz="1800" kern="1200">
         <a:solidFill>
           <a:schemeClr val="tx1"/>
@@ -23,7 +24,7 @@
         <a:cs typeface="+mn-cs"/>
       </a:defRPr>
     </a:lvl1pPr>
-    <a:lvl2pPr marL="457200" algn="l" defTabSz="914400" rtl="0" eaLnBrk="1" latinLnBrk="0" hangingPunct="1">
+    <a:lvl2pPr marL="457200" algn="l" defTabSz="457200" rtl="0" eaLnBrk="1" latinLnBrk="0" hangingPunct="1">
       <a:defRPr sz="1800" kern="1200">
         <a:solidFill>
           <a:schemeClr val="tx1"/>
@@ -33,7 +34,7 @@
         <a:cs typeface="+mn-cs"/>
       </a:defRPr>
     </a:lvl2pPr>
-    <a:lvl3pPr marL="914400" algn="l" defTabSz="914400" rtl="0" eaLnBrk="1" latinLnBrk="0" hangingPunct="1">
+    <a:lvl3pPr marL="914400" algn="l" defTabSz="457200" rtl="0" eaLnBrk="1" latinLnBrk="0" hangingPunct="1">
       <a:defRPr sz="1800" kern="1200">
         <a:solidFill>
           <a:schemeClr val="tx1"/>
@@ -43,7 +44,7 @@
         <a:cs typeface="+mn-cs"/>
       </a:defRPr>
     </a:lvl3pPr>
-    <a:lvl4pPr marL="1371600" algn="l" defTabSz="914400" rtl="0" eaLnBrk="1" latinLnBrk="0" hangingPunct="1">
+    <a:lvl4pPr marL="1371600" algn="l" defTabSz="457200" rtl="0" eaLnBrk="1" latinLnBrk="0" hangingPunct="1">
       <a:defRPr sz="1800" kern="1200">
         <a:solidFill>
           <a:schemeClr val="tx1"/>
@@ -53,7 +54,7 @@
         <a:cs typeface="+mn-cs"/>
       </a:defRPr>
     </a:lvl4pPr>
-    <a:lvl5pPr marL="1828800" algn="l" defTabSz="914400" rtl="0" eaLnBrk="1" latinLnBrk="0" hangingPunct="1">
+    <a:lvl5pPr marL="1828800" algn="l" defTabSz="457200" rtl="0" eaLnBrk="1" latinLnBrk="0" hangingPunct="1">
       <a:defRPr sz="1800" kern="1200">
         <a:solidFill>
           <a:schemeClr val="tx1"/>
@@ -63,7 +64,7 @@
         <a:cs typeface="+mn-cs"/>
       </a:defRPr>
     </a:lvl5pPr>
-    <a:lvl6pPr marL="2286000" algn="l" defTabSz="914400" rtl="0" eaLnBrk="1" latinLnBrk="0" hangingPunct="1">
+    <a:lvl6pPr marL="2286000" algn="l" defTabSz="457200" rtl="0" eaLnBrk="1" latinLnBrk="0" hangingPunct="1">
       <a:defRPr sz="1800" kern="1200">
         <a:solidFill>
           <a:schemeClr val="tx1"/>
@@ -73,7 +74,7 @@
         <a:cs typeface="+mn-cs"/>
       </a:defRPr>
     </a:lvl6pPr>
-    <a:lvl7pPr marL="2743200" algn="l" defTabSz="914400" rtl="0" eaLnBrk="1" latinLnBrk="0" hangingPunct="1">
+    <a:lvl7pPr marL="2743200" algn="l" defTabSz="457200" rtl="0" eaLnBrk="1" latinLnBrk="0" hangingPunct="1">
       <a:defRPr sz="1800" kern="1200">
         <a:solidFill>
           <a:schemeClr val="tx1"/>
@@ -83,7 +84,7 @@
         <a:cs typeface="+mn-cs"/>
       </a:defRPr>
     </a:lvl7pPr>
-    <a:lvl8pPr marL="3200400" algn="l" defTabSz="914400" rtl="0" eaLnBrk="1" latinLnBrk="0" hangingPunct="1">
+    <a:lvl8pPr marL="3200400" algn="l" defTabSz="457200" rtl="0" eaLnBrk="1" latinLnBrk="0" hangingPunct="1">
       <a:defRPr sz="1800" kern="1200">
         <a:solidFill>
           <a:schemeClr val="tx1"/>
@@ -93,7 +94,7 @@
         <a:cs typeface="+mn-cs"/>
       </a:defRPr>
     </a:lvl8pPr>
-    <a:lvl9pPr marL="3657600" algn="l" defTabSz="914400" rtl="0" eaLnBrk="1" latinLnBrk="0" hangingPunct="1">
+    <a:lvl9pPr marL="3657600" algn="l" defTabSz="457200" rtl="0" eaLnBrk="1" latinLnBrk="0" hangingPunct="1">
       <a:defRPr sz="1800" kern="1200">
         <a:solidFill>
           <a:schemeClr val="tx1"/>
@@ -131,13 +132,7 @@
       </p:grpSpPr>
       <p:sp>
         <p:nvSpPr>
-          <p:cNvPr id="2" name="Title 1">
-            <a:extLst>
-              <a:ext uri="{FF2B5EF4-FFF2-40B4-BE49-F238E27FC236}">
-                <a16:creationId xmlns:a16="http://schemas.microsoft.com/office/drawing/2014/main" id="{40D4D6AD-F46F-5715-4456-F60E1EAAD24B}"/>
-              </a:ext>
-            </a:extLst>
-          </p:cNvPr>
+          <p:cNvPr id="2" name="Title 1"/>
           <p:cNvSpPr>
             <a:spLocks noGrp="1"/>
           </p:cNvSpPr>
@@ -147,15 +142,15 @@
         </p:nvSpPr>
         <p:spPr>
           <a:xfrm>
-            <a:off x="1524000" y="1122363"/>
-            <a:ext cx="9144000" cy="2387600"/>
+            <a:off x="514350" y="1621191"/>
+            <a:ext cx="5829300" cy="3448756"/>
           </a:xfrm>
         </p:spPr>
         <p:txBody>
           <a:bodyPr anchor="b"/>
           <a:lstStyle>
             <a:lvl1pPr algn="ctr">
-              <a:defRPr sz="6000"/>
+              <a:defRPr sz="4500"/>
             </a:lvl1pPr>
           </a:lstStyle>
           <a:p>
@@ -163,18 +158,13 @@
               <a:rPr lang="en-US"/>
               <a:t>Click to edit Master title style</a:t>
             </a:r>
-          </a:p>
-        </p:txBody>
-      </p:sp>
-      <p:sp>
-        <p:nvSpPr>
-          <p:cNvPr id="3" name="Subtitle 2">
-            <a:extLst>
-              <a:ext uri="{FF2B5EF4-FFF2-40B4-BE49-F238E27FC236}">
-                <a16:creationId xmlns:a16="http://schemas.microsoft.com/office/drawing/2014/main" id="{CADC9AD4-0869-6B67-3A61-9B2015049600}"/>
-              </a:ext>
-            </a:extLst>
-          </p:cNvPr>
+            <a:endParaRPr lang="en-US" dirty="0"/>
+          </a:p>
+        </p:txBody>
+      </p:sp>
+      <p:sp>
+        <p:nvSpPr>
+          <p:cNvPr id="3" name="Subtitle 2"/>
           <p:cNvSpPr>
             <a:spLocks noGrp="1"/>
           </p:cNvSpPr>
@@ -184,8 +174,8 @@
         </p:nvSpPr>
         <p:spPr>
           <a:xfrm>
-            <a:off x="1524000" y="3602038"/>
-            <a:ext cx="9144000" cy="1655762"/>
+            <a:off x="857250" y="5202944"/>
+            <a:ext cx="5143500" cy="2391656"/>
           </a:xfrm>
         </p:spPr>
         <p:txBody>
@@ -193,39 +183,39 @@
           <a:lstStyle>
             <a:lvl1pPr marL="0" indent="0" algn="ctr">
               <a:buNone/>
-              <a:defRPr sz="2400"/>
+              <a:defRPr sz="1800"/>
             </a:lvl1pPr>
-            <a:lvl2pPr marL="457200" indent="0" algn="ctr">
-              <a:buNone/>
-              <a:defRPr sz="2000"/>
+            <a:lvl2pPr marL="342900" indent="0" algn="ctr">
+              <a:buNone/>
+              <a:defRPr sz="1500"/>
             </a:lvl2pPr>
-            <a:lvl3pPr marL="914400" indent="0" algn="ctr">
-              <a:buNone/>
-              <a:defRPr sz="1800"/>
+            <a:lvl3pPr marL="685800" indent="0" algn="ctr">
+              <a:buNone/>
+              <a:defRPr sz="1350"/>
             </a:lvl3pPr>
-            <a:lvl4pPr marL="1371600" indent="0" algn="ctr">
-              <a:buNone/>
-              <a:defRPr sz="1600"/>
+            <a:lvl4pPr marL="1028700" indent="0" algn="ctr">
+              <a:buNone/>
+              <a:defRPr sz="1200"/>
             </a:lvl4pPr>
-            <a:lvl5pPr marL="1828800" indent="0" algn="ctr">
-              <a:buNone/>
-              <a:defRPr sz="1600"/>
+            <a:lvl5pPr marL="1371600" indent="0" algn="ctr">
+              <a:buNone/>
+              <a:defRPr sz="1200"/>
             </a:lvl5pPr>
-            <a:lvl6pPr marL="2286000" indent="0" algn="ctr">
-              <a:buNone/>
-              <a:defRPr sz="1600"/>
+            <a:lvl6pPr marL="1714500" indent="0" algn="ctr">
+              <a:buNone/>
+              <a:defRPr sz="1200"/>
             </a:lvl6pPr>
-            <a:lvl7pPr marL="2743200" indent="0" algn="ctr">
-              <a:buNone/>
-              <a:defRPr sz="1600"/>
+            <a:lvl7pPr marL="2057400" indent="0" algn="ctr">
+              <a:buNone/>
+              <a:defRPr sz="1200"/>
             </a:lvl7pPr>
-            <a:lvl8pPr marL="3200400" indent="0" algn="ctr">
-              <a:buNone/>
-              <a:defRPr sz="1600"/>
+            <a:lvl8pPr marL="2400300" indent="0" algn="ctr">
+              <a:buNone/>
+              <a:defRPr sz="1200"/>
             </a:lvl8pPr>
-            <a:lvl9pPr marL="3657600" indent="0" algn="ctr">
-              <a:buNone/>
-              <a:defRPr sz="1600"/>
+            <a:lvl9pPr marL="2743200" indent="0" algn="ctr">
+              <a:buNone/>
+              <a:defRPr sz="1200"/>
             </a:lvl9pPr>
           </a:lstStyle>
           <a:p>
@@ -233,18 +223,13 @@
               <a:rPr lang="en-US"/>
               <a:t>Click to edit Master subtitle style</a:t>
             </a:r>
-          </a:p>
-        </p:txBody>
-      </p:sp>
-      <p:sp>
-        <p:nvSpPr>
-          <p:cNvPr id="4" name="Date Placeholder 3">
-            <a:extLst>
-              <a:ext uri="{FF2B5EF4-FFF2-40B4-BE49-F238E27FC236}">
-                <a16:creationId xmlns:a16="http://schemas.microsoft.com/office/drawing/2014/main" id="{4DCE11A2-BE7C-368A-382E-C27A5987BAAD}"/>
-              </a:ext>
-            </a:extLst>
-          </p:cNvPr>
+            <a:endParaRPr lang="en-US" dirty="0"/>
+          </a:p>
+        </p:txBody>
+      </p:sp>
+      <p:sp>
+        <p:nvSpPr>
+          <p:cNvPr id="4" name="Date Placeholder 3"/>
           <p:cNvSpPr>
             <a:spLocks noGrp="1"/>
           </p:cNvSpPr>
@@ -259,7 +244,7 @@
           <a:p>
             <a:fld id="{E6972812-BFA0-433F-B0B8-D8659A2FD4BD}" type="datetimeFigureOut">
               <a:rPr lang="en-US" smtClean="0"/>
-              <a:t>6/25/2024</a:t>
+              <a:t>7/21/2024</a:t>
             </a:fld>
             <a:endParaRPr lang="en-US"/>
           </a:p>
@@ -267,13 +252,7 @@
       </p:sp>
       <p:sp>
         <p:nvSpPr>
-          <p:cNvPr id="5" name="Footer Placeholder 4">
-            <a:extLst>
-              <a:ext uri="{FF2B5EF4-FFF2-40B4-BE49-F238E27FC236}">
-                <a16:creationId xmlns:a16="http://schemas.microsoft.com/office/drawing/2014/main" id="{96D32D2E-5010-4702-FE70-5B4124A5C595}"/>
-              </a:ext>
-            </a:extLst>
-          </p:cNvPr>
+          <p:cNvPr id="5" name="Footer Placeholder 4"/>
           <p:cNvSpPr>
             <a:spLocks noGrp="1"/>
           </p:cNvSpPr>
@@ -292,13 +271,7 @@
       </p:sp>
       <p:sp>
         <p:nvSpPr>
-          <p:cNvPr id="6" name="Slide Number Placeholder 5">
-            <a:extLst>
-              <a:ext uri="{FF2B5EF4-FFF2-40B4-BE49-F238E27FC236}">
-                <a16:creationId xmlns:a16="http://schemas.microsoft.com/office/drawing/2014/main" id="{D6B1059B-D7D3-BC03-DE21-927B5FBC6F62}"/>
-              </a:ext>
-            </a:extLst>
-          </p:cNvPr>
+          <p:cNvPr id="6" name="Slide Number Placeholder 5"/>
           <p:cNvSpPr>
             <a:spLocks noGrp="1"/>
           </p:cNvSpPr>
@@ -322,7 +295,7 @@
     </p:spTree>
     <p:extLst>
       <p:ext uri="{BB962C8B-B14F-4D97-AF65-F5344CB8AC3E}">
-        <p14:creationId xmlns:p14="http://schemas.microsoft.com/office/powerpoint/2010/main" val="1507665544"/>
+        <p14:creationId xmlns:p14="http://schemas.microsoft.com/office/powerpoint/2010/main" val="241444034"/>
       </p:ext>
     </p:extLst>
   </p:cSld>
@@ -351,13 +324,7 @@
       </p:grpSpPr>
       <p:sp>
         <p:nvSpPr>
-          <p:cNvPr id="2" name="Title 1">
-            <a:extLst>
-              <a:ext uri="{FF2B5EF4-FFF2-40B4-BE49-F238E27FC236}">
-                <a16:creationId xmlns:a16="http://schemas.microsoft.com/office/drawing/2014/main" id="{85285DC3-AF6D-D824-F85D-6A70B676BBA5}"/>
-              </a:ext>
-            </a:extLst>
-          </p:cNvPr>
+          <p:cNvPr id="2" name="Title 1"/>
           <p:cNvSpPr>
             <a:spLocks noGrp="1"/>
           </p:cNvSpPr>
@@ -374,18 +341,13 @@
               <a:rPr lang="en-US"/>
               <a:t>Click to edit Master title style</a:t>
             </a:r>
-          </a:p>
-        </p:txBody>
-      </p:sp>
-      <p:sp>
-        <p:nvSpPr>
-          <p:cNvPr id="3" name="Vertical Text Placeholder 2">
-            <a:extLst>
-              <a:ext uri="{FF2B5EF4-FFF2-40B4-BE49-F238E27FC236}">
-                <a16:creationId xmlns:a16="http://schemas.microsoft.com/office/drawing/2014/main" id="{4C5DADC3-4016-7C89-B5B7-16E5CCC9F0AB}"/>
-              </a:ext>
-            </a:extLst>
-          </p:cNvPr>
+            <a:endParaRPr lang="en-US" dirty="0"/>
+          </a:p>
+        </p:txBody>
+      </p:sp>
+      <p:sp>
+        <p:nvSpPr>
+          <p:cNvPr id="3" name="Vertical Text Placeholder 2"/>
           <p:cNvSpPr>
             <a:spLocks noGrp="1"/>
           </p:cNvSpPr>
@@ -431,18 +393,13 @@
               <a:rPr lang="en-US"/>
               <a:t>Fifth level</a:t>
             </a:r>
-          </a:p>
-        </p:txBody>
-      </p:sp>
-      <p:sp>
-        <p:nvSpPr>
-          <p:cNvPr id="4" name="Date Placeholder 3">
-            <a:extLst>
-              <a:ext uri="{FF2B5EF4-FFF2-40B4-BE49-F238E27FC236}">
-                <a16:creationId xmlns:a16="http://schemas.microsoft.com/office/drawing/2014/main" id="{3BB6E225-D206-866B-8005-F7DB52CB3401}"/>
-              </a:ext>
-            </a:extLst>
-          </p:cNvPr>
+            <a:endParaRPr lang="en-US" dirty="0"/>
+          </a:p>
+        </p:txBody>
+      </p:sp>
+      <p:sp>
+        <p:nvSpPr>
+          <p:cNvPr id="4" name="Date Placeholder 3"/>
           <p:cNvSpPr>
             <a:spLocks noGrp="1"/>
           </p:cNvSpPr>
@@ -457,7 +414,7 @@
           <a:p>
             <a:fld id="{E6972812-BFA0-433F-B0B8-D8659A2FD4BD}" type="datetimeFigureOut">
               <a:rPr lang="en-US" smtClean="0"/>
-              <a:t>6/25/2024</a:t>
+              <a:t>7/21/2024</a:t>
             </a:fld>
             <a:endParaRPr lang="en-US"/>
           </a:p>
@@ -465,13 +422,7 @@
       </p:sp>
       <p:sp>
         <p:nvSpPr>
-          <p:cNvPr id="5" name="Footer Placeholder 4">
-            <a:extLst>
-              <a:ext uri="{FF2B5EF4-FFF2-40B4-BE49-F238E27FC236}">
-                <a16:creationId xmlns:a16="http://schemas.microsoft.com/office/drawing/2014/main" id="{6BA76C33-2CEE-DBE2-5DAE-F9E59EAD925D}"/>
-              </a:ext>
-            </a:extLst>
-          </p:cNvPr>
+          <p:cNvPr id="5" name="Footer Placeholder 4"/>
           <p:cNvSpPr>
             <a:spLocks noGrp="1"/>
           </p:cNvSpPr>
@@ -490,13 +441,7 @@
       </p:sp>
       <p:sp>
         <p:nvSpPr>
-          <p:cNvPr id="6" name="Slide Number Placeholder 5">
-            <a:extLst>
-              <a:ext uri="{FF2B5EF4-FFF2-40B4-BE49-F238E27FC236}">
-                <a16:creationId xmlns:a16="http://schemas.microsoft.com/office/drawing/2014/main" id="{F737779A-73B2-E71E-9DAB-0056BA647DA9}"/>
-              </a:ext>
-            </a:extLst>
-          </p:cNvPr>
+          <p:cNvPr id="6" name="Slide Number Placeholder 5"/>
           <p:cNvSpPr>
             <a:spLocks noGrp="1"/>
           </p:cNvSpPr>
@@ -520,7 +465,7 @@
     </p:spTree>
     <p:extLst>
       <p:ext uri="{BB962C8B-B14F-4D97-AF65-F5344CB8AC3E}">
-        <p14:creationId xmlns:p14="http://schemas.microsoft.com/office/powerpoint/2010/main" val="2983400984"/>
+        <p14:creationId xmlns:p14="http://schemas.microsoft.com/office/powerpoint/2010/main" val="310791397"/>
       </p:ext>
     </p:extLst>
   </p:cSld>
@@ -549,13 +494,7 @@
       </p:grpSpPr>
       <p:sp>
         <p:nvSpPr>
-          <p:cNvPr id="2" name="Vertical Title 1">
-            <a:extLst>
-              <a:ext uri="{FF2B5EF4-FFF2-40B4-BE49-F238E27FC236}">
-                <a16:creationId xmlns:a16="http://schemas.microsoft.com/office/drawing/2014/main" id="{199CA9DA-323F-13E9-0D89-ADC30957BFE6}"/>
-              </a:ext>
-            </a:extLst>
-          </p:cNvPr>
+          <p:cNvPr id="2" name="Vertical Title 1"/>
           <p:cNvSpPr>
             <a:spLocks noGrp="1"/>
           </p:cNvSpPr>
@@ -565,8 +504,8 @@
         </p:nvSpPr>
         <p:spPr>
           <a:xfrm>
-            <a:off x="8724900" y="365125"/>
-            <a:ext cx="2628900" cy="5811838"/>
+            <a:off x="4907757" y="527403"/>
+            <a:ext cx="1478756" cy="8394877"/>
           </a:xfrm>
         </p:spPr>
         <p:txBody>
@@ -577,18 +516,13 @@
               <a:rPr lang="en-US"/>
               <a:t>Click to edit Master title style</a:t>
             </a:r>
-          </a:p>
-        </p:txBody>
-      </p:sp>
-      <p:sp>
-        <p:nvSpPr>
-          <p:cNvPr id="3" name="Vertical Text Placeholder 2">
-            <a:extLst>
-              <a:ext uri="{FF2B5EF4-FFF2-40B4-BE49-F238E27FC236}">
-                <a16:creationId xmlns:a16="http://schemas.microsoft.com/office/drawing/2014/main" id="{47B7E10F-29E4-41AE-817B-1197047AF474}"/>
-              </a:ext>
-            </a:extLst>
-          </p:cNvPr>
+            <a:endParaRPr lang="en-US" dirty="0"/>
+          </a:p>
+        </p:txBody>
+      </p:sp>
+      <p:sp>
+        <p:nvSpPr>
+          <p:cNvPr id="3" name="Vertical Text Placeholder 2"/>
           <p:cNvSpPr>
             <a:spLocks noGrp="1"/>
           </p:cNvSpPr>
@@ -598,8 +532,8 @@
         </p:nvSpPr>
         <p:spPr>
           <a:xfrm>
-            <a:off x="838200" y="365125"/>
-            <a:ext cx="7734300" cy="5811838"/>
+            <a:off x="471488" y="527403"/>
+            <a:ext cx="4350544" cy="8394877"/>
           </a:xfrm>
         </p:spPr>
         <p:txBody>
@@ -639,18 +573,13 @@
               <a:rPr lang="en-US"/>
               <a:t>Fifth level</a:t>
             </a:r>
-          </a:p>
-        </p:txBody>
-      </p:sp>
-      <p:sp>
-        <p:nvSpPr>
-          <p:cNvPr id="4" name="Date Placeholder 3">
-            <a:extLst>
-              <a:ext uri="{FF2B5EF4-FFF2-40B4-BE49-F238E27FC236}">
-                <a16:creationId xmlns:a16="http://schemas.microsoft.com/office/drawing/2014/main" id="{2903929C-C032-AD4C-3615-5F36A93ED556}"/>
-              </a:ext>
-            </a:extLst>
-          </p:cNvPr>
+            <a:endParaRPr lang="en-US" dirty="0"/>
+          </a:p>
+        </p:txBody>
+      </p:sp>
+      <p:sp>
+        <p:nvSpPr>
+          <p:cNvPr id="4" name="Date Placeholder 3"/>
           <p:cNvSpPr>
             <a:spLocks noGrp="1"/>
           </p:cNvSpPr>
@@ -665,7 +594,7 @@
           <a:p>
             <a:fld id="{E6972812-BFA0-433F-B0B8-D8659A2FD4BD}" type="datetimeFigureOut">
               <a:rPr lang="en-US" smtClean="0"/>
-              <a:t>6/25/2024</a:t>
+              <a:t>7/21/2024</a:t>
             </a:fld>
             <a:endParaRPr lang="en-US"/>
           </a:p>
@@ -673,13 +602,7 @@
       </p:sp>
       <p:sp>
         <p:nvSpPr>
-          <p:cNvPr id="5" name="Footer Placeholder 4">
-            <a:extLst>
-              <a:ext uri="{FF2B5EF4-FFF2-40B4-BE49-F238E27FC236}">
-                <a16:creationId xmlns:a16="http://schemas.microsoft.com/office/drawing/2014/main" id="{64E9A42B-E93F-A00C-2A63-F779517862FA}"/>
-              </a:ext>
-            </a:extLst>
-          </p:cNvPr>
+          <p:cNvPr id="5" name="Footer Placeholder 4"/>
           <p:cNvSpPr>
             <a:spLocks noGrp="1"/>
           </p:cNvSpPr>
@@ -698,13 +621,7 @@
       </p:sp>
       <p:sp>
         <p:nvSpPr>
-          <p:cNvPr id="6" name="Slide Number Placeholder 5">
-            <a:extLst>
-              <a:ext uri="{FF2B5EF4-FFF2-40B4-BE49-F238E27FC236}">
-                <a16:creationId xmlns:a16="http://schemas.microsoft.com/office/drawing/2014/main" id="{D772B1B9-A5C2-7DB8-2CCE-A2ACDBC02209}"/>
-              </a:ext>
-            </a:extLst>
-          </p:cNvPr>
+          <p:cNvPr id="6" name="Slide Number Placeholder 5"/>
           <p:cNvSpPr>
             <a:spLocks noGrp="1"/>
           </p:cNvSpPr>
@@ -728,7 +645,7 @@
     </p:spTree>
     <p:extLst>
       <p:ext uri="{BB962C8B-B14F-4D97-AF65-F5344CB8AC3E}">
-        <p14:creationId xmlns:p14="http://schemas.microsoft.com/office/powerpoint/2010/main" val="2586873237"/>
+        <p14:creationId xmlns:p14="http://schemas.microsoft.com/office/powerpoint/2010/main" val="3456861284"/>
       </p:ext>
     </p:extLst>
   </p:cSld>
@@ -757,13 +674,7 @@
       </p:grpSpPr>
       <p:sp>
         <p:nvSpPr>
-          <p:cNvPr id="2" name="Title 1">
-            <a:extLst>
-              <a:ext uri="{FF2B5EF4-FFF2-40B4-BE49-F238E27FC236}">
-                <a16:creationId xmlns:a16="http://schemas.microsoft.com/office/drawing/2014/main" id="{092909DD-1C49-8D2F-66AB-8B9E5558B0ED}"/>
-              </a:ext>
-            </a:extLst>
-          </p:cNvPr>
+          <p:cNvPr id="2" name="Title 1"/>
           <p:cNvSpPr>
             <a:spLocks noGrp="1"/>
           </p:cNvSpPr>
@@ -780,18 +691,13 @@
               <a:rPr lang="en-US"/>
               <a:t>Click to edit Master title style</a:t>
             </a:r>
-          </a:p>
-        </p:txBody>
-      </p:sp>
-      <p:sp>
-        <p:nvSpPr>
-          <p:cNvPr id="3" name="Content Placeholder 2">
-            <a:extLst>
-              <a:ext uri="{FF2B5EF4-FFF2-40B4-BE49-F238E27FC236}">
-                <a16:creationId xmlns:a16="http://schemas.microsoft.com/office/drawing/2014/main" id="{26F127DE-2C2C-E5BA-BEDF-005407B51FA0}"/>
-              </a:ext>
-            </a:extLst>
-          </p:cNvPr>
+            <a:endParaRPr lang="en-US" dirty="0"/>
+          </a:p>
+        </p:txBody>
+      </p:sp>
+      <p:sp>
+        <p:nvSpPr>
+          <p:cNvPr id="3" name="Content Placeholder 2"/>
           <p:cNvSpPr>
             <a:spLocks noGrp="1"/>
           </p:cNvSpPr>
@@ -837,18 +743,13 @@
               <a:rPr lang="en-US"/>
               <a:t>Fifth level</a:t>
             </a:r>
-          </a:p>
-        </p:txBody>
-      </p:sp>
-      <p:sp>
-        <p:nvSpPr>
-          <p:cNvPr id="4" name="Date Placeholder 3">
-            <a:extLst>
-              <a:ext uri="{FF2B5EF4-FFF2-40B4-BE49-F238E27FC236}">
-                <a16:creationId xmlns:a16="http://schemas.microsoft.com/office/drawing/2014/main" id="{B5B5DBD2-4728-F14B-FD50-F3E4874734D6}"/>
-              </a:ext>
-            </a:extLst>
-          </p:cNvPr>
+            <a:endParaRPr lang="en-US" dirty="0"/>
+          </a:p>
+        </p:txBody>
+      </p:sp>
+      <p:sp>
+        <p:nvSpPr>
+          <p:cNvPr id="4" name="Date Placeholder 3"/>
           <p:cNvSpPr>
             <a:spLocks noGrp="1"/>
           </p:cNvSpPr>
@@ -863,7 +764,7 @@
           <a:p>
             <a:fld id="{E6972812-BFA0-433F-B0B8-D8659A2FD4BD}" type="datetimeFigureOut">
               <a:rPr lang="en-US" smtClean="0"/>
-              <a:t>6/25/2024</a:t>
+              <a:t>7/21/2024</a:t>
             </a:fld>
             <a:endParaRPr lang="en-US"/>
           </a:p>
@@ -871,13 +772,7 @@
       </p:sp>
       <p:sp>
         <p:nvSpPr>
-          <p:cNvPr id="5" name="Footer Placeholder 4">
-            <a:extLst>
-              <a:ext uri="{FF2B5EF4-FFF2-40B4-BE49-F238E27FC236}">
-                <a16:creationId xmlns:a16="http://schemas.microsoft.com/office/drawing/2014/main" id="{8E625B8E-76D5-BA5E-C97B-E0F00B66AACC}"/>
-              </a:ext>
-            </a:extLst>
-          </p:cNvPr>
+          <p:cNvPr id="5" name="Footer Placeholder 4"/>
           <p:cNvSpPr>
             <a:spLocks noGrp="1"/>
           </p:cNvSpPr>
@@ -896,13 +791,7 @@
       </p:sp>
       <p:sp>
         <p:nvSpPr>
-          <p:cNvPr id="6" name="Slide Number Placeholder 5">
-            <a:extLst>
-              <a:ext uri="{FF2B5EF4-FFF2-40B4-BE49-F238E27FC236}">
-                <a16:creationId xmlns:a16="http://schemas.microsoft.com/office/drawing/2014/main" id="{7ECC2EE5-46D1-5276-53E6-A5DE4CB65359}"/>
-              </a:ext>
-            </a:extLst>
-          </p:cNvPr>
+          <p:cNvPr id="6" name="Slide Number Placeholder 5"/>
           <p:cNvSpPr>
             <a:spLocks noGrp="1"/>
           </p:cNvSpPr>
@@ -926,7 +815,7 @@
     </p:spTree>
     <p:extLst>
       <p:ext uri="{BB962C8B-B14F-4D97-AF65-F5344CB8AC3E}">
-        <p14:creationId xmlns:p14="http://schemas.microsoft.com/office/powerpoint/2010/main" val="527184077"/>
+        <p14:creationId xmlns:p14="http://schemas.microsoft.com/office/powerpoint/2010/main" val="1625937633"/>
       </p:ext>
     </p:extLst>
   </p:cSld>
@@ -955,13 +844,7 @@
       </p:grpSpPr>
       <p:sp>
         <p:nvSpPr>
-          <p:cNvPr id="2" name="Title 1">
-            <a:extLst>
-              <a:ext uri="{FF2B5EF4-FFF2-40B4-BE49-F238E27FC236}">
-                <a16:creationId xmlns:a16="http://schemas.microsoft.com/office/drawing/2014/main" id="{C7413DCE-F788-198E-F999-07816973268C}"/>
-              </a:ext>
-            </a:extLst>
-          </p:cNvPr>
+          <p:cNvPr id="2" name="Title 1"/>
           <p:cNvSpPr>
             <a:spLocks noGrp="1"/>
           </p:cNvSpPr>
@@ -971,15 +854,15 @@
         </p:nvSpPr>
         <p:spPr>
           <a:xfrm>
-            <a:off x="831850" y="1709738"/>
-            <a:ext cx="10515600" cy="2852737"/>
+            <a:off x="467916" y="2469624"/>
+            <a:ext cx="5915025" cy="4120620"/>
           </a:xfrm>
         </p:spPr>
         <p:txBody>
           <a:bodyPr anchor="b"/>
           <a:lstStyle>
             <a:lvl1pPr>
-              <a:defRPr sz="6000"/>
+              <a:defRPr sz="4500"/>
             </a:lvl1pPr>
           </a:lstStyle>
           <a:p>
@@ -987,18 +870,13 @@
               <a:rPr lang="en-US"/>
               <a:t>Click to edit Master title style</a:t>
             </a:r>
-          </a:p>
-        </p:txBody>
-      </p:sp>
-      <p:sp>
-        <p:nvSpPr>
-          <p:cNvPr id="3" name="Text Placeholder 2">
-            <a:extLst>
-              <a:ext uri="{FF2B5EF4-FFF2-40B4-BE49-F238E27FC236}">
-                <a16:creationId xmlns:a16="http://schemas.microsoft.com/office/drawing/2014/main" id="{9938B4C2-8E4D-EBC4-ECDC-3DACBD391D1B}"/>
-              </a:ext>
-            </a:extLst>
-          </p:cNvPr>
+            <a:endParaRPr lang="en-US" dirty="0"/>
+          </a:p>
+        </p:txBody>
+      </p:sp>
+      <p:sp>
+        <p:nvSpPr>
+          <p:cNvPr id="3" name="Text Placeholder 2"/>
           <p:cNvSpPr>
             <a:spLocks noGrp="1"/>
           </p:cNvSpPr>
@@ -1008,8 +886,8 @@
         </p:nvSpPr>
         <p:spPr>
           <a:xfrm>
-            <a:off x="831850" y="4589463"/>
-            <a:ext cx="10515600" cy="1500187"/>
+            <a:off x="467916" y="6629226"/>
+            <a:ext cx="5915025" cy="2166937"/>
           </a:xfrm>
         </p:spPr>
         <p:txBody>
@@ -1017,17 +895,15 @@
           <a:lstStyle>
             <a:lvl1pPr marL="0" indent="0">
               <a:buNone/>
-              <a:defRPr sz="2400">
+              <a:defRPr sz="1800">
                 <a:solidFill>
-                  <a:schemeClr val="tx1">
-                    <a:tint val="75000"/>
-                  </a:schemeClr>
+                  <a:schemeClr val="tx1"/>
                 </a:solidFill>
               </a:defRPr>
             </a:lvl1pPr>
-            <a:lvl2pPr marL="457200" indent="0">
-              <a:buNone/>
-              <a:defRPr sz="2000">
+            <a:lvl2pPr marL="342900" indent="0">
+              <a:buNone/>
+              <a:defRPr sz="1500">
                 <a:solidFill>
                   <a:schemeClr val="tx1">
                     <a:tint val="75000"/>
@@ -1035,9 +911,9 @@
                 </a:solidFill>
               </a:defRPr>
             </a:lvl2pPr>
-            <a:lvl3pPr marL="914400" indent="0">
-              <a:buNone/>
-              <a:defRPr sz="1800">
+            <a:lvl3pPr marL="685800" indent="0">
+              <a:buNone/>
+              <a:defRPr sz="1350">
                 <a:solidFill>
                   <a:schemeClr val="tx1">
                     <a:tint val="75000"/>
@@ -1045,9 +921,9 @@
                 </a:solidFill>
               </a:defRPr>
             </a:lvl3pPr>
-            <a:lvl4pPr marL="1371600" indent="0">
-              <a:buNone/>
-              <a:defRPr sz="1600">
+            <a:lvl4pPr marL="1028700" indent="0">
+              <a:buNone/>
+              <a:defRPr sz="1200">
                 <a:solidFill>
                   <a:schemeClr val="tx1">
                     <a:tint val="75000"/>
@@ -1055,9 +931,9 @@
                 </a:solidFill>
               </a:defRPr>
             </a:lvl4pPr>
-            <a:lvl5pPr marL="1828800" indent="0">
-              <a:buNone/>
-              <a:defRPr sz="1600">
+            <a:lvl5pPr marL="1371600" indent="0">
+              <a:buNone/>
+              <a:defRPr sz="1200">
                 <a:solidFill>
                   <a:schemeClr val="tx1">
                     <a:tint val="75000"/>
@@ -1065,9 +941,9 @@
                 </a:solidFill>
               </a:defRPr>
             </a:lvl5pPr>
-            <a:lvl6pPr marL="2286000" indent="0">
-              <a:buNone/>
-              <a:defRPr sz="1600">
+            <a:lvl6pPr marL="1714500" indent="0">
+              <a:buNone/>
+              <a:defRPr sz="1200">
                 <a:solidFill>
                   <a:schemeClr val="tx1">
                     <a:tint val="75000"/>
@@ -1075,9 +951,9 @@
                 </a:solidFill>
               </a:defRPr>
             </a:lvl6pPr>
-            <a:lvl7pPr marL="2743200" indent="0">
-              <a:buNone/>
-              <a:defRPr sz="1600">
+            <a:lvl7pPr marL="2057400" indent="0">
+              <a:buNone/>
+              <a:defRPr sz="1200">
                 <a:solidFill>
                   <a:schemeClr val="tx1">
                     <a:tint val="75000"/>
@@ -1085,9 +961,9 @@
                 </a:solidFill>
               </a:defRPr>
             </a:lvl7pPr>
-            <a:lvl8pPr marL="3200400" indent="0">
-              <a:buNone/>
-              <a:defRPr sz="1600">
+            <a:lvl8pPr marL="2400300" indent="0">
+              <a:buNone/>
+              <a:defRPr sz="1200">
                 <a:solidFill>
                   <a:schemeClr val="tx1">
                     <a:tint val="75000"/>
@@ -1095,9 +971,9 @@
                 </a:solidFill>
               </a:defRPr>
             </a:lvl8pPr>
-            <a:lvl9pPr marL="3657600" indent="0">
-              <a:buNone/>
-              <a:defRPr sz="1600">
+            <a:lvl9pPr marL="2743200" indent="0">
+              <a:buNone/>
+              <a:defRPr sz="1200">
                 <a:solidFill>
                   <a:schemeClr val="tx1">
                     <a:tint val="75000"/>
@@ -1117,13 +993,7 @@
       </p:sp>
       <p:sp>
         <p:nvSpPr>
-          <p:cNvPr id="4" name="Date Placeholder 3">
-            <a:extLst>
-              <a:ext uri="{FF2B5EF4-FFF2-40B4-BE49-F238E27FC236}">
-                <a16:creationId xmlns:a16="http://schemas.microsoft.com/office/drawing/2014/main" id="{F71D84F7-B66B-693B-FD21-15DDC2607545}"/>
-              </a:ext>
-            </a:extLst>
-          </p:cNvPr>
+          <p:cNvPr id="4" name="Date Placeholder 3"/>
           <p:cNvSpPr>
             <a:spLocks noGrp="1"/>
           </p:cNvSpPr>
@@ -1138,7 +1008,7 @@
           <a:p>
             <a:fld id="{E6972812-BFA0-433F-B0B8-D8659A2FD4BD}" type="datetimeFigureOut">
               <a:rPr lang="en-US" smtClean="0"/>
-              <a:t>6/25/2024</a:t>
+              <a:t>7/21/2024</a:t>
             </a:fld>
             <a:endParaRPr lang="en-US"/>
           </a:p>
@@ -1146,13 +1016,7 @@
       </p:sp>
       <p:sp>
         <p:nvSpPr>
-          <p:cNvPr id="5" name="Footer Placeholder 4">
-            <a:extLst>
-              <a:ext uri="{FF2B5EF4-FFF2-40B4-BE49-F238E27FC236}">
-                <a16:creationId xmlns:a16="http://schemas.microsoft.com/office/drawing/2014/main" id="{D7953375-602B-BFD0-8A13-E4AA10677870}"/>
-              </a:ext>
-            </a:extLst>
-          </p:cNvPr>
+          <p:cNvPr id="5" name="Footer Placeholder 4"/>
           <p:cNvSpPr>
             <a:spLocks noGrp="1"/>
           </p:cNvSpPr>
@@ -1171,13 +1035,7 @@
       </p:sp>
       <p:sp>
         <p:nvSpPr>
-          <p:cNvPr id="6" name="Slide Number Placeholder 5">
-            <a:extLst>
-              <a:ext uri="{FF2B5EF4-FFF2-40B4-BE49-F238E27FC236}">
-                <a16:creationId xmlns:a16="http://schemas.microsoft.com/office/drawing/2014/main" id="{C735C2C7-1895-6033-8262-45C7F2CBE0D8}"/>
-              </a:ext>
-            </a:extLst>
-          </p:cNvPr>
+          <p:cNvPr id="6" name="Slide Number Placeholder 5"/>
           <p:cNvSpPr>
             <a:spLocks noGrp="1"/>
           </p:cNvSpPr>
@@ -1201,7 +1059,7 @@
     </p:spTree>
     <p:extLst>
       <p:ext uri="{BB962C8B-B14F-4D97-AF65-F5344CB8AC3E}">
-        <p14:creationId xmlns:p14="http://schemas.microsoft.com/office/powerpoint/2010/main" val="3145218588"/>
+        <p14:creationId xmlns:p14="http://schemas.microsoft.com/office/powerpoint/2010/main" val="2720185013"/>
       </p:ext>
     </p:extLst>
   </p:cSld>
@@ -1230,13 +1088,7 @@
       </p:grpSpPr>
       <p:sp>
         <p:nvSpPr>
-          <p:cNvPr id="2" name="Title 1">
-            <a:extLst>
-              <a:ext uri="{FF2B5EF4-FFF2-40B4-BE49-F238E27FC236}">
-                <a16:creationId xmlns:a16="http://schemas.microsoft.com/office/drawing/2014/main" id="{EB5FCBA6-891F-839B-8DA5-481619848A63}"/>
-              </a:ext>
-            </a:extLst>
-          </p:cNvPr>
+          <p:cNvPr id="2" name="Title 1"/>
           <p:cNvSpPr>
             <a:spLocks noGrp="1"/>
           </p:cNvSpPr>
@@ -1253,18 +1105,13 @@
               <a:rPr lang="en-US"/>
               <a:t>Click to edit Master title style</a:t>
             </a:r>
-          </a:p>
-        </p:txBody>
-      </p:sp>
-      <p:sp>
-        <p:nvSpPr>
-          <p:cNvPr id="3" name="Content Placeholder 2">
-            <a:extLst>
-              <a:ext uri="{FF2B5EF4-FFF2-40B4-BE49-F238E27FC236}">
-                <a16:creationId xmlns:a16="http://schemas.microsoft.com/office/drawing/2014/main" id="{09F157F3-929E-581D-3FC6-EF4980FBB5C7}"/>
-              </a:ext>
-            </a:extLst>
-          </p:cNvPr>
+            <a:endParaRPr lang="en-US" dirty="0"/>
+          </a:p>
+        </p:txBody>
+      </p:sp>
+      <p:sp>
+        <p:nvSpPr>
+          <p:cNvPr id="3" name="Content Placeholder 2"/>
           <p:cNvSpPr>
             <a:spLocks noGrp="1"/>
           </p:cNvSpPr>
@@ -1274,8 +1121,8 @@
         </p:nvSpPr>
         <p:spPr>
           <a:xfrm>
-            <a:off x="838200" y="1825625"/>
-            <a:ext cx="5181600" cy="4351338"/>
+            <a:off x="471488" y="2637014"/>
+            <a:ext cx="2914650" cy="6285266"/>
           </a:xfrm>
         </p:spPr>
         <p:txBody>
@@ -1315,18 +1162,13 @@
               <a:rPr lang="en-US"/>
               <a:t>Fifth level</a:t>
             </a:r>
-          </a:p>
-        </p:txBody>
-      </p:sp>
-      <p:sp>
-        <p:nvSpPr>
-          <p:cNvPr id="4" name="Content Placeholder 3">
-            <a:extLst>
-              <a:ext uri="{FF2B5EF4-FFF2-40B4-BE49-F238E27FC236}">
-                <a16:creationId xmlns:a16="http://schemas.microsoft.com/office/drawing/2014/main" id="{2D64DCCC-DB96-74A7-93FA-D9A8F1F2A3F4}"/>
-              </a:ext>
-            </a:extLst>
-          </p:cNvPr>
+            <a:endParaRPr lang="en-US" dirty="0"/>
+          </a:p>
+        </p:txBody>
+      </p:sp>
+      <p:sp>
+        <p:nvSpPr>
+          <p:cNvPr id="4" name="Content Placeholder 3"/>
           <p:cNvSpPr>
             <a:spLocks noGrp="1"/>
           </p:cNvSpPr>
@@ -1336,8 +1178,8 @@
         </p:nvSpPr>
         <p:spPr>
           <a:xfrm>
-            <a:off x="6172200" y="1825625"/>
-            <a:ext cx="5181600" cy="4351338"/>
+            <a:off x="3471863" y="2637014"/>
+            <a:ext cx="2914650" cy="6285266"/>
           </a:xfrm>
         </p:spPr>
         <p:txBody>
@@ -1377,18 +1219,13 @@
               <a:rPr lang="en-US"/>
               <a:t>Fifth level</a:t>
             </a:r>
-          </a:p>
-        </p:txBody>
-      </p:sp>
-      <p:sp>
-        <p:nvSpPr>
-          <p:cNvPr id="5" name="Date Placeholder 4">
-            <a:extLst>
-              <a:ext uri="{FF2B5EF4-FFF2-40B4-BE49-F238E27FC236}">
-                <a16:creationId xmlns:a16="http://schemas.microsoft.com/office/drawing/2014/main" id="{B19E1F63-4D1B-C832-058D-5128CD7FF817}"/>
-              </a:ext>
-            </a:extLst>
-          </p:cNvPr>
+            <a:endParaRPr lang="en-US" dirty="0"/>
+          </a:p>
+        </p:txBody>
+      </p:sp>
+      <p:sp>
+        <p:nvSpPr>
+          <p:cNvPr id="5" name="Date Placeholder 4"/>
           <p:cNvSpPr>
             <a:spLocks noGrp="1"/>
           </p:cNvSpPr>
@@ -1403,7 +1240,7 @@
           <a:p>
             <a:fld id="{E6972812-BFA0-433F-B0B8-D8659A2FD4BD}" type="datetimeFigureOut">
               <a:rPr lang="en-US" smtClean="0"/>
-              <a:t>6/25/2024</a:t>
+              <a:t>7/21/2024</a:t>
             </a:fld>
             <a:endParaRPr lang="en-US"/>
           </a:p>
@@ -1411,13 +1248,7 @@
       </p:sp>
       <p:sp>
         <p:nvSpPr>
-          <p:cNvPr id="6" name="Footer Placeholder 5">
-            <a:extLst>
-              <a:ext uri="{FF2B5EF4-FFF2-40B4-BE49-F238E27FC236}">
-                <a16:creationId xmlns:a16="http://schemas.microsoft.com/office/drawing/2014/main" id="{F868C5F6-9544-2F0B-544E-573129526CFC}"/>
-              </a:ext>
-            </a:extLst>
-          </p:cNvPr>
+          <p:cNvPr id="6" name="Footer Placeholder 5"/>
           <p:cNvSpPr>
             <a:spLocks noGrp="1"/>
           </p:cNvSpPr>
@@ -1436,13 +1267,7 @@
       </p:sp>
       <p:sp>
         <p:nvSpPr>
-          <p:cNvPr id="7" name="Slide Number Placeholder 6">
-            <a:extLst>
-              <a:ext uri="{FF2B5EF4-FFF2-40B4-BE49-F238E27FC236}">
-                <a16:creationId xmlns:a16="http://schemas.microsoft.com/office/drawing/2014/main" id="{2345ABCD-1716-D178-8DE5-C87CF498B6D4}"/>
-              </a:ext>
-            </a:extLst>
-          </p:cNvPr>
+          <p:cNvPr id="7" name="Slide Number Placeholder 6"/>
           <p:cNvSpPr>
             <a:spLocks noGrp="1"/>
           </p:cNvSpPr>
@@ -1466,7 +1291,7 @@
     </p:spTree>
     <p:extLst>
       <p:ext uri="{BB962C8B-B14F-4D97-AF65-F5344CB8AC3E}">
-        <p14:creationId xmlns:p14="http://schemas.microsoft.com/office/powerpoint/2010/main" val="1770496935"/>
+        <p14:creationId xmlns:p14="http://schemas.microsoft.com/office/powerpoint/2010/main" val="3413338287"/>
       </p:ext>
     </p:extLst>
   </p:cSld>
@@ -1495,13 +1320,7 @@
       </p:grpSpPr>
       <p:sp>
         <p:nvSpPr>
-          <p:cNvPr id="2" name="Title 1">
-            <a:extLst>
-              <a:ext uri="{FF2B5EF4-FFF2-40B4-BE49-F238E27FC236}">
-                <a16:creationId xmlns:a16="http://schemas.microsoft.com/office/drawing/2014/main" id="{5097B128-DB01-F790-10A7-1A457EA28848}"/>
-              </a:ext>
-            </a:extLst>
-          </p:cNvPr>
+          <p:cNvPr id="2" name="Title 1"/>
           <p:cNvSpPr>
             <a:spLocks noGrp="1"/>
           </p:cNvSpPr>
@@ -1511,8 +1330,8 @@
         </p:nvSpPr>
         <p:spPr>
           <a:xfrm>
-            <a:off x="839788" y="365125"/>
-            <a:ext cx="10515600" cy="1325563"/>
+            <a:off x="472381" y="527405"/>
+            <a:ext cx="5915025" cy="1914702"/>
           </a:xfrm>
         </p:spPr>
         <p:txBody>
@@ -1523,18 +1342,13 @@
               <a:rPr lang="en-US"/>
               <a:t>Click to edit Master title style</a:t>
             </a:r>
-          </a:p>
-        </p:txBody>
-      </p:sp>
-      <p:sp>
-        <p:nvSpPr>
-          <p:cNvPr id="3" name="Text Placeholder 2">
-            <a:extLst>
-              <a:ext uri="{FF2B5EF4-FFF2-40B4-BE49-F238E27FC236}">
-                <a16:creationId xmlns:a16="http://schemas.microsoft.com/office/drawing/2014/main" id="{A01EA795-B2BA-3488-E8BF-76344C7BBAD9}"/>
-              </a:ext>
-            </a:extLst>
-          </p:cNvPr>
+            <a:endParaRPr lang="en-US" dirty="0"/>
+          </a:p>
+        </p:txBody>
+      </p:sp>
+      <p:sp>
+        <p:nvSpPr>
+          <p:cNvPr id="3" name="Text Placeholder 2"/>
           <p:cNvSpPr>
             <a:spLocks noGrp="1"/>
           </p:cNvSpPr>
@@ -1544,8 +1358,8 @@
         </p:nvSpPr>
         <p:spPr>
           <a:xfrm>
-            <a:off x="839788" y="1681163"/>
-            <a:ext cx="5157787" cy="823912"/>
+            <a:off x="472381" y="2428347"/>
+            <a:ext cx="2901255" cy="1190095"/>
           </a:xfrm>
         </p:spPr>
         <p:txBody>
@@ -1553,39 +1367,39 @@
           <a:lstStyle>
             <a:lvl1pPr marL="0" indent="0">
               <a:buNone/>
-              <a:defRPr sz="2400" b="1"/>
+              <a:defRPr sz="1800" b="1"/>
             </a:lvl1pPr>
-            <a:lvl2pPr marL="457200" indent="0">
-              <a:buNone/>
-              <a:defRPr sz="2000" b="1"/>
+            <a:lvl2pPr marL="342900" indent="0">
+              <a:buNone/>
+              <a:defRPr sz="1500" b="1"/>
             </a:lvl2pPr>
-            <a:lvl3pPr marL="914400" indent="0">
-              <a:buNone/>
-              <a:defRPr sz="1800" b="1"/>
+            <a:lvl3pPr marL="685800" indent="0">
+              <a:buNone/>
+              <a:defRPr sz="1350" b="1"/>
             </a:lvl3pPr>
-            <a:lvl4pPr marL="1371600" indent="0">
-              <a:buNone/>
-              <a:defRPr sz="1600" b="1"/>
+            <a:lvl4pPr marL="1028700" indent="0">
+              <a:buNone/>
+              <a:defRPr sz="1200" b="1"/>
             </a:lvl4pPr>
-            <a:lvl5pPr marL="1828800" indent="0">
-              <a:buNone/>
-              <a:defRPr sz="1600" b="1"/>
+            <a:lvl5pPr marL="1371600" indent="0">
+              <a:buNone/>
+              <a:defRPr sz="1200" b="1"/>
             </a:lvl5pPr>
-            <a:lvl6pPr marL="2286000" indent="0">
-              <a:buNone/>
-              <a:defRPr sz="1600" b="1"/>
+            <a:lvl6pPr marL="1714500" indent="0">
+              <a:buNone/>
+              <a:defRPr sz="1200" b="1"/>
             </a:lvl6pPr>
-            <a:lvl7pPr marL="2743200" indent="0">
-              <a:buNone/>
-              <a:defRPr sz="1600" b="1"/>
+            <a:lvl7pPr marL="2057400" indent="0">
+              <a:buNone/>
+              <a:defRPr sz="1200" b="1"/>
             </a:lvl7pPr>
-            <a:lvl8pPr marL="3200400" indent="0">
-              <a:buNone/>
-              <a:defRPr sz="1600" b="1"/>
+            <a:lvl8pPr marL="2400300" indent="0">
+              <a:buNone/>
+              <a:defRPr sz="1200" b="1"/>
             </a:lvl8pPr>
-            <a:lvl9pPr marL="3657600" indent="0">
-              <a:buNone/>
-              <a:defRPr sz="1600" b="1"/>
+            <a:lvl9pPr marL="2743200" indent="0">
+              <a:buNone/>
+              <a:defRPr sz="1200" b="1"/>
             </a:lvl9pPr>
           </a:lstStyle>
           <a:p>
@@ -1599,13 +1413,7 @@
       </p:sp>
       <p:sp>
         <p:nvSpPr>
-          <p:cNvPr id="4" name="Content Placeholder 3">
-            <a:extLst>
-              <a:ext uri="{FF2B5EF4-FFF2-40B4-BE49-F238E27FC236}">
-                <a16:creationId xmlns:a16="http://schemas.microsoft.com/office/drawing/2014/main" id="{B76BA7FA-25E3-614F-3FF1-685AA0C873D2}"/>
-              </a:ext>
-            </a:extLst>
-          </p:cNvPr>
+          <p:cNvPr id="4" name="Content Placeholder 3"/>
           <p:cNvSpPr>
             <a:spLocks noGrp="1"/>
           </p:cNvSpPr>
@@ -1615,8 +1423,8 @@
         </p:nvSpPr>
         <p:spPr>
           <a:xfrm>
-            <a:off x="839788" y="2505075"/>
-            <a:ext cx="5157787" cy="3684588"/>
+            <a:off x="472381" y="3618442"/>
+            <a:ext cx="2901255" cy="5322183"/>
           </a:xfrm>
         </p:spPr>
         <p:txBody>
@@ -1656,18 +1464,13 @@
               <a:rPr lang="en-US"/>
               <a:t>Fifth level</a:t>
             </a:r>
-          </a:p>
-        </p:txBody>
-      </p:sp>
-      <p:sp>
-        <p:nvSpPr>
-          <p:cNvPr id="5" name="Text Placeholder 4">
-            <a:extLst>
-              <a:ext uri="{FF2B5EF4-FFF2-40B4-BE49-F238E27FC236}">
-                <a16:creationId xmlns:a16="http://schemas.microsoft.com/office/drawing/2014/main" id="{93E91B8A-C051-59A1-A708-1D8190FC338B}"/>
-              </a:ext>
-            </a:extLst>
-          </p:cNvPr>
+            <a:endParaRPr lang="en-US" dirty="0"/>
+          </a:p>
+        </p:txBody>
+      </p:sp>
+      <p:sp>
+        <p:nvSpPr>
+          <p:cNvPr id="5" name="Text Placeholder 4"/>
           <p:cNvSpPr>
             <a:spLocks noGrp="1"/>
           </p:cNvSpPr>
@@ -1677,8 +1480,8 @@
         </p:nvSpPr>
         <p:spPr>
           <a:xfrm>
-            <a:off x="6172200" y="1681163"/>
-            <a:ext cx="5183188" cy="823912"/>
+            <a:off x="3471863" y="2428347"/>
+            <a:ext cx="2915543" cy="1190095"/>
           </a:xfrm>
         </p:spPr>
         <p:txBody>
@@ -1686,39 +1489,39 @@
           <a:lstStyle>
             <a:lvl1pPr marL="0" indent="0">
               <a:buNone/>
-              <a:defRPr sz="2400" b="1"/>
+              <a:defRPr sz="1800" b="1"/>
             </a:lvl1pPr>
-            <a:lvl2pPr marL="457200" indent="0">
-              <a:buNone/>
-              <a:defRPr sz="2000" b="1"/>
+            <a:lvl2pPr marL="342900" indent="0">
+              <a:buNone/>
+              <a:defRPr sz="1500" b="1"/>
             </a:lvl2pPr>
-            <a:lvl3pPr marL="914400" indent="0">
-              <a:buNone/>
-              <a:defRPr sz="1800" b="1"/>
+            <a:lvl3pPr marL="685800" indent="0">
+              <a:buNone/>
+              <a:defRPr sz="1350" b="1"/>
             </a:lvl3pPr>
-            <a:lvl4pPr marL="1371600" indent="0">
-              <a:buNone/>
-              <a:defRPr sz="1600" b="1"/>
+            <a:lvl4pPr marL="1028700" indent="0">
+              <a:buNone/>
+              <a:defRPr sz="1200" b="1"/>
             </a:lvl4pPr>
-            <a:lvl5pPr marL="1828800" indent="0">
-              <a:buNone/>
-              <a:defRPr sz="1600" b="1"/>
+            <a:lvl5pPr marL="1371600" indent="0">
+              <a:buNone/>
+              <a:defRPr sz="1200" b="1"/>
             </a:lvl5pPr>
-            <a:lvl6pPr marL="2286000" indent="0">
-              <a:buNone/>
-              <a:defRPr sz="1600" b="1"/>
+            <a:lvl6pPr marL="1714500" indent="0">
+              <a:buNone/>
+              <a:defRPr sz="1200" b="1"/>
             </a:lvl6pPr>
-            <a:lvl7pPr marL="2743200" indent="0">
-              <a:buNone/>
-              <a:defRPr sz="1600" b="1"/>
+            <a:lvl7pPr marL="2057400" indent="0">
+              <a:buNone/>
+              <a:defRPr sz="1200" b="1"/>
             </a:lvl7pPr>
-            <a:lvl8pPr marL="3200400" indent="0">
-              <a:buNone/>
-              <a:defRPr sz="1600" b="1"/>
+            <a:lvl8pPr marL="2400300" indent="0">
+              <a:buNone/>
+              <a:defRPr sz="1200" b="1"/>
             </a:lvl8pPr>
-            <a:lvl9pPr marL="3657600" indent="0">
-              <a:buNone/>
-              <a:defRPr sz="1600" b="1"/>
+            <a:lvl9pPr marL="2743200" indent="0">
+              <a:buNone/>
+              <a:defRPr sz="1200" b="1"/>
             </a:lvl9pPr>
           </a:lstStyle>
           <a:p>
@@ -1732,13 +1535,7 @@
       </p:sp>
       <p:sp>
         <p:nvSpPr>
-          <p:cNvPr id="6" name="Content Placeholder 5">
-            <a:extLst>
-              <a:ext uri="{FF2B5EF4-FFF2-40B4-BE49-F238E27FC236}">
-                <a16:creationId xmlns:a16="http://schemas.microsoft.com/office/drawing/2014/main" id="{7B1C95B4-A92B-8C95-06A1-CAC032CEF10D}"/>
-              </a:ext>
-            </a:extLst>
-          </p:cNvPr>
+          <p:cNvPr id="6" name="Content Placeholder 5"/>
           <p:cNvSpPr>
             <a:spLocks noGrp="1"/>
           </p:cNvSpPr>
@@ -1748,8 +1545,8 @@
         </p:nvSpPr>
         <p:spPr>
           <a:xfrm>
-            <a:off x="6172200" y="2505075"/>
-            <a:ext cx="5183188" cy="3684588"/>
+            <a:off x="3471863" y="3618442"/>
+            <a:ext cx="2915543" cy="5322183"/>
           </a:xfrm>
         </p:spPr>
         <p:txBody>
@@ -1789,18 +1586,13 @@
               <a:rPr lang="en-US"/>
               <a:t>Fifth level</a:t>
             </a:r>
-          </a:p>
-        </p:txBody>
-      </p:sp>
-      <p:sp>
-        <p:nvSpPr>
-          <p:cNvPr id="7" name="Date Placeholder 6">
-            <a:extLst>
-              <a:ext uri="{FF2B5EF4-FFF2-40B4-BE49-F238E27FC236}">
-                <a16:creationId xmlns:a16="http://schemas.microsoft.com/office/drawing/2014/main" id="{A8BCAD0C-260F-343C-208A-50BA7BDA7DB2}"/>
-              </a:ext>
-            </a:extLst>
-          </p:cNvPr>
+            <a:endParaRPr lang="en-US" dirty="0"/>
+          </a:p>
+        </p:txBody>
+      </p:sp>
+      <p:sp>
+        <p:nvSpPr>
+          <p:cNvPr id="7" name="Date Placeholder 6"/>
           <p:cNvSpPr>
             <a:spLocks noGrp="1"/>
           </p:cNvSpPr>
@@ -1815,7 +1607,7 @@
           <a:p>
             <a:fld id="{E6972812-BFA0-433F-B0B8-D8659A2FD4BD}" type="datetimeFigureOut">
               <a:rPr lang="en-US" smtClean="0"/>
-              <a:t>6/25/2024</a:t>
+              <a:t>7/21/2024</a:t>
             </a:fld>
             <a:endParaRPr lang="en-US"/>
           </a:p>
@@ -1823,13 +1615,7 @@
       </p:sp>
       <p:sp>
         <p:nvSpPr>
-          <p:cNvPr id="8" name="Footer Placeholder 7">
-            <a:extLst>
-              <a:ext uri="{FF2B5EF4-FFF2-40B4-BE49-F238E27FC236}">
-                <a16:creationId xmlns:a16="http://schemas.microsoft.com/office/drawing/2014/main" id="{FD488CCB-8D28-A982-E073-C6E928223499}"/>
-              </a:ext>
-            </a:extLst>
-          </p:cNvPr>
+          <p:cNvPr id="8" name="Footer Placeholder 7"/>
           <p:cNvSpPr>
             <a:spLocks noGrp="1"/>
           </p:cNvSpPr>
@@ -1848,13 +1634,7 @@
       </p:sp>
       <p:sp>
         <p:nvSpPr>
-          <p:cNvPr id="9" name="Slide Number Placeholder 8">
-            <a:extLst>
-              <a:ext uri="{FF2B5EF4-FFF2-40B4-BE49-F238E27FC236}">
-                <a16:creationId xmlns:a16="http://schemas.microsoft.com/office/drawing/2014/main" id="{B6E0F562-9FED-60F0-05ED-F33470BE64A6}"/>
-              </a:ext>
-            </a:extLst>
-          </p:cNvPr>
+          <p:cNvPr id="9" name="Slide Number Placeholder 8"/>
           <p:cNvSpPr>
             <a:spLocks noGrp="1"/>
           </p:cNvSpPr>
@@ -1878,7 +1658,7 @@
     </p:spTree>
     <p:extLst>
       <p:ext uri="{BB962C8B-B14F-4D97-AF65-F5344CB8AC3E}">
-        <p14:creationId xmlns:p14="http://schemas.microsoft.com/office/powerpoint/2010/main" val="958616244"/>
+        <p14:creationId xmlns:p14="http://schemas.microsoft.com/office/powerpoint/2010/main" val="3530317952"/>
       </p:ext>
     </p:extLst>
   </p:cSld>
@@ -1907,13 +1687,7 @@
       </p:grpSpPr>
       <p:sp>
         <p:nvSpPr>
-          <p:cNvPr id="2" name="Title 1">
-            <a:extLst>
-              <a:ext uri="{FF2B5EF4-FFF2-40B4-BE49-F238E27FC236}">
-                <a16:creationId xmlns:a16="http://schemas.microsoft.com/office/drawing/2014/main" id="{A2466405-BAA4-CA4F-CBA7-7673D483AE7E}"/>
-              </a:ext>
-            </a:extLst>
-          </p:cNvPr>
+          <p:cNvPr id="2" name="Title 1"/>
           <p:cNvSpPr>
             <a:spLocks noGrp="1"/>
           </p:cNvSpPr>
@@ -1930,18 +1704,13 @@
               <a:rPr lang="en-US"/>
               <a:t>Click to edit Master title style</a:t>
             </a:r>
-          </a:p>
-        </p:txBody>
-      </p:sp>
-      <p:sp>
-        <p:nvSpPr>
-          <p:cNvPr id="3" name="Date Placeholder 2">
-            <a:extLst>
-              <a:ext uri="{FF2B5EF4-FFF2-40B4-BE49-F238E27FC236}">
-                <a16:creationId xmlns:a16="http://schemas.microsoft.com/office/drawing/2014/main" id="{43D8B19F-5131-9476-F71F-A4563C619355}"/>
-              </a:ext>
-            </a:extLst>
-          </p:cNvPr>
+            <a:endParaRPr lang="en-US" dirty="0"/>
+          </a:p>
+        </p:txBody>
+      </p:sp>
+      <p:sp>
+        <p:nvSpPr>
+          <p:cNvPr id="3" name="Date Placeholder 2"/>
           <p:cNvSpPr>
             <a:spLocks noGrp="1"/>
           </p:cNvSpPr>
@@ -1956,7 +1725,7 @@
           <a:p>
             <a:fld id="{E6972812-BFA0-433F-B0B8-D8659A2FD4BD}" type="datetimeFigureOut">
               <a:rPr lang="en-US" smtClean="0"/>
-              <a:t>6/25/2024</a:t>
+              <a:t>7/21/2024</a:t>
             </a:fld>
             <a:endParaRPr lang="en-US"/>
           </a:p>
@@ -1964,13 +1733,7 @@
       </p:sp>
       <p:sp>
         <p:nvSpPr>
-          <p:cNvPr id="4" name="Footer Placeholder 3">
-            <a:extLst>
-              <a:ext uri="{FF2B5EF4-FFF2-40B4-BE49-F238E27FC236}">
-                <a16:creationId xmlns:a16="http://schemas.microsoft.com/office/drawing/2014/main" id="{4F8E7099-49EC-25E3-0F80-515A50B5836C}"/>
-              </a:ext>
-            </a:extLst>
-          </p:cNvPr>
+          <p:cNvPr id="4" name="Footer Placeholder 3"/>
           <p:cNvSpPr>
             <a:spLocks noGrp="1"/>
           </p:cNvSpPr>
@@ -1989,13 +1752,7 @@
       </p:sp>
       <p:sp>
         <p:nvSpPr>
-          <p:cNvPr id="5" name="Slide Number Placeholder 4">
-            <a:extLst>
-              <a:ext uri="{FF2B5EF4-FFF2-40B4-BE49-F238E27FC236}">
-                <a16:creationId xmlns:a16="http://schemas.microsoft.com/office/drawing/2014/main" id="{093AAAF0-0E11-C4C8-494D-50B09C942953}"/>
-              </a:ext>
-            </a:extLst>
-          </p:cNvPr>
+          <p:cNvPr id="5" name="Slide Number Placeholder 4"/>
           <p:cNvSpPr>
             <a:spLocks noGrp="1"/>
           </p:cNvSpPr>
@@ -2019,7 +1776,7 @@
     </p:spTree>
     <p:extLst>
       <p:ext uri="{BB962C8B-B14F-4D97-AF65-F5344CB8AC3E}">
-        <p14:creationId xmlns:p14="http://schemas.microsoft.com/office/powerpoint/2010/main" val="1019973759"/>
+        <p14:creationId xmlns:p14="http://schemas.microsoft.com/office/powerpoint/2010/main" val="3985285394"/>
       </p:ext>
     </p:extLst>
   </p:cSld>
@@ -2048,13 +1805,7 @@
       </p:grpSpPr>
       <p:sp>
         <p:nvSpPr>
-          <p:cNvPr id="2" name="Date Placeholder 1">
-            <a:extLst>
-              <a:ext uri="{FF2B5EF4-FFF2-40B4-BE49-F238E27FC236}">
-                <a16:creationId xmlns:a16="http://schemas.microsoft.com/office/drawing/2014/main" id="{85A791ED-AA73-6E52-0443-A27900DA9FE0}"/>
-              </a:ext>
-            </a:extLst>
-          </p:cNvPr>
+          <p:cNvPr id="2" name="Date Placeholder 1"/>
           <p:cNvSpPr>
             <a:spLocks noGrp="1"/>
           </p:cNvSpPr>
@@ -2069,7 +1820,7 @@
           <a:p>
             <a:fld id="{E6972812-BFA0-433F-B0B8-D8659A2FD4BD}" type="datetimeFigureOut">
               <a:rPr lang="en-US" smtClean="0"/>
-              <a:t>6/25/2024</a:t>
+              <a:t>7/21/2024</a:t>
             </a:fld>
             <a:endParaRPr lang="en-US"/>
           </a:p>
@@ -2077,13 +1828,7 @@
       </p:sp>
       <p:sp>
         <p:nvSpPr>
-          <p:cNvPr id="3" name="Footer Placeholder 2">
-            <a:extLst>
-              <a:ext uri="{FF2B5EF4-FFF2-40B4-BE49-F238E27FC236}">
-                <a16:creationId xmlns:a16="http://schemas.microsoft.com/office/drawing/2014/main" id="{C1F5B0E0-6667-EC9C-15AE-13E4822957AC}"/>
-              </a:ext>
-            </a:extLst>
-          </p:cNvPr>
+          <p:cNvPr id="3" name="Footer Placeholder 2"/>
           <p:cNvSpPr>
             <a:spLocks noGrp="1"/>
           </p:cNvSpPr>
@@ -2102,13 +1847,7 @@
       </p:sp>
       <p:sp>
         <p:nvSpPr>
-          <p:cNvPr id="4" name="Slide Number Placeholder 3">
-            <a:extLst>
-              <a:ext uri="{FF2B5EF4-FFF2-40B4-BE49-F238E27FC236}">
-                <a16:creationId xmlns:a16="http://schemas.microsoft.com/office/drawing/2014/main" id="{186CE492-24DB-210B-237F-0B645E5D9DAB}"/>
-              </a:ext>
-            </a:extLst>
-          </p:cNvPr>
+          <p:cNvPr id="4" name="Slide Number Placeholder 3"/>
           <p:cNvSpPr>
             <a:spLocks noGrp="1"/>
           </p:cNvSpPr>
@@ -2132,7 +1871,7 @@
     </p:spTree>
     <p:extLst>
       <p:ext uri="{BB962C8B-B14F-4D97-AF65-F5344CB8AC3E}">
-        <p14:creationId xmlns:p14="http://schemas.microsoft.com/office/powerpoint/2010/main" val="4005791971"/>
+        <p14:creationId xmlns:p14="http://schemas.microsoft.com/office/powerpoint/2010/main" val="2920305171"/>
       </p:ext>
     </p:extLst>
   </p:cSld>
@@ -2161,13 +1900,7 @@
       </p:grpSpPr>
       <p:sp>
         <p:nvSpPr>
-          <p:cNvPr id="2" name="Title 1">
-            <a:extLst>
-              <a:ext uri="{FF2B5EF4-FFF2-40B4-BE49-F238E27FC236}">
-                <a16:creationId xmlns:a16="http://schemas.microsoft.com/office/drawing/2014/main" id="{CDCD48A9-6982-AF3C-24D2-816D9783BC3C}"/>
-              </a:ext>
-            </a:extLst>
-          </p:cNvPr>
+          <p:cNvPr id="2" name="Title 1"/>
           <p:cNvSpPr>
             <a:spLocks noGrp="1"/>
           </p:cNvSpPr>
@@ -2177,15 +1910,15 @@
         </p:nvSpPr>
         <p:spPr>
           <a:xfrm>
-            <a:off x="839788" y="457200"/>
-            <a:ext cx="3932237" cy="1600200"/>
+            <a:off x="472381" y="660400"/>
+            <a:ext cx="2211884" cy="2311400"/>
           </a:xfrm>
         </p:spPr>
         <p:txBody>
           <a:bodyPr anchor="b"/>
           <a:lstStyle>
             <a:lvl1pPr>
-              <a:defRPr sz="3200"/>
+              <a:defRPr sz="2400"/>
             </a:lvl1pPr>
           </a:lstStyle>
           <a:p>
@@ -2193,18 +1926,13 @@
               <a:rPr lang="en-US"/>
               <a:t>Click to edit Master title style</a:t>
             </a:r>
-          </a:p>
-        </p:txBody>
-      </p:sp>
-      <p:sp>
-        <p:nvSpPr>
-          <p:cNvPr id="3" name="Content Placeholder 2">
-            <a:extLst>
-              <a:ext uri="{FF2B5EF4-FFF2-40B4-BE49-F238E27FC236}">
-                <a16:creationId xmlns:a16="http://schemas.microsoft.com/office/drawing/2014/main" id="{E1249F69-FDDA-1806-2A3A-7BEF20274059}"/>
-              </a:ext>
-            </a:extLst>
-          </p:cNvPr>
+            <a:endParaRPr lang="en-US" dirty="0"/>
+          </a:p>
+        </p:txBody>
+      </p:sp>
+      <p:sp>
+        <p:nvSpPr>
+          <p:cNvPr id="3" name="Content Placeholder 2"/>
           <p:cNvSpPr>
             <a:spLocks noGrp="1"/>
           </p:cNvSpPr>
@@ -2214,39 +1942,39 @@
         </p:nvSpPr>
         <p:spPr>
           <a:xfrm>
-            <a:off x="5183188" y="987425"/>
-            <a:ext cx="6172200" cy="4873625"/>
+            <a:off x="2915543" y="1426283"/>
+            <a:ext cx="3471863" cy="7039681"/>
           </a:xfrm>
         </p:spPr>
         <p:txBody>
           <a:bodyPr/>
           <a:lstStyle>
             <a:lvl1pPr>
-              <a:defRPr sz="3200"/>
+              <a:defRPr sz="2400"/>
             </a:lvl1pPr>
             <a:lvl2pPr>
-              <a:defRPr sz="2800"/>
+              <a:defRPr sz="2100"/>
             </a:lvl2pPr>
             <a:lvl3pPr>
-              <a:defRPr sz="2400"/>
+              <a:defRPr sz="1800"/>
             </a:lvl3pPr>
             <a:lvl4pPr>
-              <a:defRPr sz="2000"/>
+              <a:defRPr sz="1500"/>
             </a:lvl4pPr>
             <a:lvl5pPr>
-              <a:defRPr sz="2000"/>
+              <a:defRPr sz="1500"/>
             </a:lvl5pPr>
             <a:lvl6pPr>
-              <a:defRPr sz="2000"/>
+              <a:defRPr sz="1500"/>
             </a:lvl6pPr>
             <a:lvl7pPr>
-              <a:defRPr sz="2000"/>
+              <a:defRPr sz="1500"/>
             </a:lvl7pPr>
             <a:lvl8pPr>
-              <a:defRPr sz="2000"/>
+              <a:defRPr sz="1500"/>
             </a:lvl8pPr>
             <a:lvl9pPr>
-              <a:defRPr sz="2000"/>
+              <a:defRPr sz="1500"/>
             </a:lvl9pPr>
           </a:lstStyle>
           <a:p>
@@ -2283,18 +2011,13 @@
               <a:rPr lang="en-US"/>
               <a:t>Fifth level</a:t>
             </a:r>
-          </a:p>
-        </p:txBody>
-      </p:sp>
-      <p:sp>
-        <p:nvSpPr>
-          <p:cNvPr id="4" name="Text Placeholder 3">
-            <a:extLst>
-              <a:ext uri="{FF2B5EF4-FFF2-40B4-BE49-F238E27FC236}">
-                <a16:creationId xmlns:a16="http://schemas.microsoft.com/office/drawing/2014/main" id="{46B1FED4-31C2-A197-1D72-5B826DD7EA37}"/>
-              </a:ext>
-            </a:extLst>
-          </p:cNvPr>
+            <a:endParaRPr lang="en-US" dirty="0"/>
+          </a:p>
+        </p:txBody>
+      </p:sp>
+      <p:sp>
+        <p:nvSpPr>
+          <p:cNvPr id="4" name="Text Placeholder 3"/>
           <p:cNvSpPr>
             <a:spLocks noGrp="1"/>
           </p:cNvSpPr>
@@ -2304,8 +2027,8 @@
         </p:nvSpPr>
         <p:spPr>
           <a:xfrm>
-            <a:off x="839788" y="2057400"/>
-            <a:ext cx="3932237" cy="3811588"/>
+            <a:off x="472381" y="2971800"/>
+            <a:ext cx="2211884" cy="5505627"/>
           </a:xfrm>
         </p:spPr>
         <p:txBody>
@@ -2313,39 +2036,39 @@
           <a:lstStyle>
             <a:lvl1pPr marL="0" indent="0">
               <a:buNone/>
-              <a:defRPr sz="1600"/>
+              <a:defRPr sz="1200"/>
             </a:lvl1pPr>
-            <a:lvl2pPr marL="457200" indent="0">
-              <a:buNone/>
-              <a:defRPr sz="1400"/>
+            <a:lvl2pPr marL="342900" indent="0">
+              <a:buNone/>
+              <a:defRPr sz="1050"/>
             </a:lvl2pPr>
-            <a:lvl3pPr marL="914400" indent="0">
-              <a:buNone/>
-              <a:defRPr sz="1200"/>
+            <a:lvl3pPr marL="685800" indent="0">
+              <a:buNone/>
+              <a:defRPr sz="900"/>
             </a:lvl3pPr>
-            <a:lvl4pPr marL="1371600" indent="0">
-              <a:buNone/>
-              <a:defRPr sz="1000"/>
+            <a:lvl4pPr marL="1028700" indent="0">
+              <a:buNone/>
+              <a:defRPr sz="750"/>
             </a:lvl4pPr>
-            <a:lvl5pPr marL="1828800" indent="0">
-              <a:buNone/>
-              <a:defRPr sz="1000"/>
+            <a:lvl5pPr marL="1371600" indent="0">
+              <a:buNone/>
+              <a:defRPr sz="750"/>
             </a:lvl5pPr>
-            <a:lvl6pPr marL="2286000" indent="0">
-              <a:buNone/>
-              <a:defRPr sz="1000"/>
+            <a:lvl6pPr marL="1714500" indent="0">
+              <a:buNone/>
+              <a:defRPr sz="750"/>
             </a:lvl6pPr>
-            <a:lvl7pPr marL="2743200" indent="0">
-              <a:buNone/>
-              <a:defRPr sz="1000"/>
+            <a:lvl7pPr marL="2057400" indent="0">
+              <a:buNone/>
+              <a:defRPr sz="750"/>
             </a:lvl7pPr>
-            <a:lvl8pPr marL="3200400" indent="0">
-              <a:buNone/>
-              <a:defRPr sz="1000"/>
+            <a:lvl8pPr marL="2400300" indent="0">
+              <a:buNone/>
+              <a:defRPr sz="750"/>
             </a:lvl8pPr>
-            <a:lvl9pPr marL="3657600" indent="0">
-              <a:buNone/>
-              <a:defRPr sz="1000"/>
+            <a:lvl9pPr marL="2743200" indent="0">
+              <a:buNone/>
+              <a:defRPr sz="750"/>
             </a:lvl9pPr>
           </a:lstStyle>
           <a:p>
@@ -2359,13 +2082,7 @@
       </p:sp>
       <p:sp>
         <p:nvSpPr>
-          <p:cNvPr id="5" name="Date Placeholder 4">
-            <a:extLst>
-              <a:ext uri="{FF2B5EF4-FFF2-40B4-BE49-F238E27FC236}">
-                <a16:creationId xmlns:a16="http://schemas.microsoft.com/office/drawing/2014/main" id="{8369BE61-A7D6-074D-06EA-04DFFA9BD8C4}"/>
-              </a:ext>
-            </a:extLst>
-          </p:cNvPr>
+          <p:cNvPr id="5" name="Date Placeholder 4"/>
           <p:cNvSpPr>
             <a:spLocks noGrp="1"/>
           </p:cNvSpPr>
@@ -2380,7 +2097,7 @@
           <a:p>
             <a:fld id="{E6972812-BFA0-433F-B0B8-D8659A2FD4BD}" type="datetimeFigureOut">
               <a:rPr lang="en-US" smtClean="0"/>
-              <a:t>6/25/2024</a:t>
+              <a:t>7/21/2024</a:t>
             </a:fld>
             <a:endParaRPr lang="en-US"/>
           </a:p>
@@ -2388,13 +2105,7 @@
       </p:sp>
       <p:sp>
         <p:nvSpPr>
-          <p:cNvPr id="6" name="Footer Placeholder 5">
-            <a:extLst>
-              <a:ext uri="{FF2B5EF4-FFF2-40B4-BE49-F238E27FC236}">
-                <a16:creationId xmlns:a16="http://schemas.microsoft.com/office/drawing/2014/main" id="{AB85287C-F589-096B-4220-742FE3A98D63}"/>
-              </a:ext>
-            </a:extLst>
-          </p:cNvPr>
+          <p:cNvPr id="6" name="Footer Placeholder 5"/>
           <p:cNvSpPr>
             <a:spLocks noGrp="1"/>
           </p:cNvSpPr>
@@ -2413,13 +2124,7 @@
       </p:sp>
       <p:sp>
         <p:nvSpPr>
-          <p:cNvPr id="7" name="Slide Number Placeholder 6">
-            <a:extLst>
-              <a:ext uri="{FF2B5EF4-FFF2-40B4-BE49-F238E27FC236}">
-                <a16:creationId xmlns:a16="http://schemas.microsoft.com/office/drawing/2014/main" id="{2230B2A1-CF4D-BA6E-8F35-F3A7868CB6B2}"/>
-              </a:ext>
-            </a:extLst>
-          </p:cNvPr>
+          <p:cNvPr id="7" name="Slide Number Placeholder 6"/>
           <p:cNvSpPr>
             <a:spLocks noGrp="1"/>
           </p:cNvSpPr>
@@ -2443,7 +2148,7 @@
     </p:spTree>
     <p:extLst>
       <p:ext uri="{BB962C8B-B14F-4D97-AF65-F5344CB8AC3E}">
-        <p14:creationId xmlns:p14="http://schemas.microsoft.com/office/powerpoint/2010/main" val="862838793"/>
+        <p14:creationId xmlns:p14="http://schemas.microsoft.com/office/powerpoint/2010/main" val="3399546545"/>
       </p:ext>
     </p:extLst>
   </p:cSld>
@@ -2472,13 +2177,7 @@
       </p:grpSpPr>
       <p:sp>
         <p:nvSpPr>
-          <p:cNvPr id="2" name="Title 1">
-            <a:extLst>
-              <a:ext uri="{FF2B5EF4-FFF2-40B4-BE49-F238E27FC236}">
-                <a16:creationId xmlns:a16="http://schemas.microsoft.com/office/drawing/2014/main" id="{28453387-7351-BFC6-ED30-2CEB58B2265C}"/>
-              </a:ext>
-            </a:extLst>
-          </p:cNvPr>
+          <p:cNvPr id="2" name="Title 1"/>
           <p:cNvSpPr>
             <a:spLocks noGrp="1"/>
           </p:cNvSpPr>
@@ -2488,15 +2187,15 @@
         </p:nvSpPr>
         <p:spPr>
           <a:xfrm>
-            <a:off x="839788" y="457200"/>
-            <a:ext cx="3932237" cy="1600200"/>
+            <a:off x="472381" y="660400"/>
+            <a:ext cx="2211884" cy="2311400"/>
           </a:xfrm>
         </p:spPr>
         <p:txBody>
           <a:bodyPr anchor="b"/>
           <a:lstStyle>
             <a:lvl1pPr>
-              <a:defRPr sz="3200"/>
+              <a:defRPr sz="2400"/>
             </a:lvl1pPr>
           </a:lstStyle>
           <a:p>
@@ -2504,20 +2203,15 @@
               <a:rPr lang="en-US"/>
               <a:t>Click to edit Master title style</a:t>
             </a:r>
-          </a:p>
-        </p:txBody>
-      </p:sp>
-      <p:sp>
-        <p:nvSpPr>
-          <p:cNvPr id="3" name="Picture Placeholder 2">
-            <a:extLst>
-              <a:ext uri="{FF2B5EF4-FFF2-40B4-BE49-F238E27FC236}">
-                <a16:creationId xmlns:a16="http://schemas.microsoft.com/office/drawing/2014/main" id="{46CB245A-7CD6-ABFE-3EE5-99AD912D07CF}"/>
-              </a:ext>
-            </a:extLst>
-          </p:cNvPr>
-          <p:cNvSpPr>
-            <a:spLocks noGrp="1"/>
+            <a:endParaRPr lang="en-US" dirty="0"/>
+          </a:p>
+        </p:txBody>
+      </p:sp>
+      <p:sp>
+        <p:nvSpPr>
+          <p:cNvPr id="3" name="Picture Placeholder 2"/>
+          <p:cNvSpPr>
+            <a:spLocks noGrp="1" noChangeAspect="1"/>
           </p:cNvSpPr>
           <p:nvPr>
             <p:ph type="pic" idx="1"/>
@@ -2525,64 +2219,62 @@
         </p:nvSpPr>
         <p:spPr>
           <a:xfrm>
-            <a:off x="5183188" y="987425"/>
-            <a:ext cx="6172200" cy="4873625"/>
+            <a:off x="2915543" y="1426283"/>
+            <a:ext cx="3471863" cy="7039681"/>
           </a:xfrm>
         </p:spPr>
         <p:txBody>
-          <a:bodyPr/>
+          <a:bodyPr anchor="t"/>
           <a:lstStyle>
             <a:lvl1pPr marL="0" indent="0">
               <a:buNone/>
-              <a:defRPr sz="3200"/>
+              <a:defRPr sz="2400"/>
             </a:lvl1pPr>
-            <a:lvl2pPr marL="457200" indent="0">
-              <a:buNone/>
-              <a:defRPr sz="2800"/>
+            <a:lvl2pPr marL="342900" indent="0">
+              <a:buNone/>
+              <a:defRPr sz="2100"/>
             </a:lvl2pPr>
-            <a:lvl3pPr marL="914400" indent="0">
-              <a:buNone/>
-              <a:defRPr sz="2400"/>
+            <a:lvl3pPr marL="685800" indent="0">
+              <a:buNone/>
+              <a:defRPr sz="1800"/>
             </a:lvl3pPr>
-            <a:lvl4pPr marL="1371600" indent="0">
-              <a:buNone/>
-              <a:defRPr sz="2000"/>
+            <a:lvl4pPr marL="1028700" indent="0">
+              <a:buNone/>
+              <a:defRPr sz="1500"/>
             </a:lvl4pPr>
-            <a:lvl5pPr marL="1828800" indent="0">
-              <a:buNone/>
-              <a:defRPr sz="2000"/>
+            <a:lvl5pPr marL="1371600" indent="0">
+              <a:buNone/>
+              <a:defRPr sz="1500"/>
             </a:lvl5pPr>
-            <a:lvl6pPr marL="2286000" indent="0">
-              <a:buNone/>
-              <a:defRPr sz="2000"/>
+            <a:lvl6pPr marL="1714500" indent="0">
+              <a:buNone/>
+              <a:defRPr sz="1500"/>
             </a:lvl6pPr>
-            <a:lvl7pPr marL="2743200" indent="0">
-              <a:buNone/>
-              <a:defRPr sz="2000"/>
+            <a:lvl7pPr marL="2057400" indent="0">
+              <a:buNone/>
+              <a:defRPr sz="1500"/>
             </a:lvl7pPr>
-            <a:lvl8pPr marL="3200400" indent="0">
-              <a:buNone/>
-              <a:defRPr sz="2000"/>
+            <a:lvl8pPr marL="2400300" indent="0">
+              <a:buNone/>
+              <a:defRPr sz="1500"/>
             </a:lvl8pPr>
-            <a:lvl9pPr marL="3657600" indent="0">
-              <a:buNone/>
-              <a:defRPr sz="2000"/>
+            <a:lvl9pPr marL="2743200" indent="0">
+              <a:buNone/>
+              <a:defRPr sz="1500"/>
             </a:lvl9pPr>
           </a:lstStyle>
           <a:p>
-            <a:endParaRPr lang="en-US"/>
-          </a:p>
-        </p:txBody>
-      </p:sp>
-      <p:sp>
-        <p:nvSpPr>
-          <p:cNvPr id="4" name="Text Placeholder 3">
-            <a:extLst>
-              <a:ext uri="{FF2B5EF4-FFF2-40B4-BE49-F238E27FC236}">
-                <a16:creationId xmlns:a16="http://schemas.microsoft.com/office/drawing/2014/main" id="{BD26EB34-F126-9E6C-8A6D-006FF7D71F13}"/>
-              </a:ext>
-            </a:extLst>
-          </p:cNvPr>
+            <a:r>
+              <a:rPr lang="en-US"/>
+              <a:t>Click icon to add picture</a:t>
+            </a:r>
+            <a:endParaRPr lang="en-US" dirty="0"/>
+          </a:p>
+        </p:txBody>
+      </p:sp>
+      <p:sp>
+        <p:nvSpPr>
+          <p:cNvPr id="4" name="Text Placeholder 3"/>
           <p:cNvSpPr>
             <a:spLocks noGrp="1"/>
           </p:cNvSpPr>
@@ -2592,8 +2284,8 @@
         </p:nvSpPr>
         <p:spPr>
           <a:xfrm>
-            <a:off x="839788" y="2057400"/>
-            <a:ext cx="3932237" cy="3811588"/>
+            <a:off x="472381" y="2971800"/>
+            <a:ext cx="2211884" cy="5505627"/>
           </a:xfrm>
         </p:spPr>
         <p:txBody>
@@ -2601,39 +2293,39 @@
           <a:lstStyle>
             <a:lvl1pPr marL="0" indent="0">
               <a:buNone/>
-              <a:defRPr sz="1600"/>
+              <a:defRPr sz="1200"/>
             </a:lvl1pPr>
-            <a:lvl2pPr marL="457200" indent="0">
-              <a:buNone/>
-              <a:defRPr sz="1400"/>
+            <a:lvl2pPr marL="342900" indent="0">
+              <a:buNone/>
+              <a:defRPr sz="1050"/>
             </a:lvl2pPr>
-            <a:lvl3pPr marL="914400" indent="0">
-              <a:buNone/>
-              <a:defRPr sz="1200"/>
+            <a:lvl3pPr marL="685800" indent="0">
+              <a:buNone/>
+              <a:defRPr sz="900"/>
             </a:lvl3pPr>
-            <a:lvl4pPr marL="1371600" indent="0">
-              <a:buNone/>
-              <a:defRPr sz="1000"/>
+            <a:lvl4pPr marL="1028700" indent="0">
+              <a:buNone/>
+              <a:defRPr sz="750"/>
             </a:lvl4pPr>
-            <a:lvl5pPr marL="1828800" indent="0">
-              <a:buNone/>
-              <a:defRPr sz="1000"/>
+            <a:lvl5pPr marL="1371600" indent="0">
+              <a:buNone/>
+              <a:defRPr sz="750"/>
             </a:lvl5pPr>
-            <a:lvl6pPr marL="2286000" indent="0">
-              <a:buNone/>
-              <a:defRPr sz="1000"/>
+            <a:lvl6pPr marL="1714500" indent="0">
+              <a:buNone/>
+              <a:defRPr sz="750"/>
             </a:lvl6pPr>
-            <a:lvl7pPr marL="2743200" indent="0">
-              <a:buNone/>
-              <a:defRPr sz="1000"/>
+            <a:lvl7pPr marL="2057400" indent="0">
+              <a:buNone/>
+              <a:defRPr sz="750"/>
             </a:lvl7pPr>
-            <a:lvl8pPr marL="3200400" indent="0">
-              <a:buNone/>
-              <a:defRPr sz="1000"/>
+            <a:lvl8pPr marL="2400300" indent="0">
+              <a:buNone/>
+              <a:defRPr sz="750"/>
             </a:lvl8pPr>
-            <a:lvl9pPr marL="3657600" indent="0">
-              <a:buNone/>
-              <a:defRPr sz="1000"/>
+            <a:lvl9pPr marL="2743200" indent="0">
+              <a:buNone/>
+              <a:defRPr sz="750"/>
             </a:lvl9pPr>
           </a:lstStyle>
           <a:p>
@@ -2647,13 +2339,7 @@
       </p:sp>
       <p:sp>
         <p:nvSpPr>
-          <p:cNvPr id="5" name="Date Placeholder 4">
-            <a:extLst>
-              <a:ext uri="{FF2B5EF4-FFF2-40B4-BE49-F238E27FC236}">
-                <a16:creationId xmlns:a16="http://schemas.microsoft.com/office/drawing/2014/main" id="{FFAC126B-46FB-7F5A-585E-0D1A4626CC24}"/>
-              </a:ext>
-            </a:extLst>
-          </p:cNvPr>
+          <p:cNvPr id="5" name="Date Placeholder 4"/>
           <p:cNvSpPr>
             <a:spLocks noGrp="1"/>
           </p:cNvSpPr>
@@ -2668,7 +2354,7 @@
           <a:p>
             <a:fld id="{E6972812-BFA0-433F-B0B8-D8659A2FD4BD}" type="datetimeFigureOut">
               <a:rPr lang="en-US" smtClean="0"/>
-              <a:t>6/25/2024</a:t>
+              <a:t>7/21/2024</a:t>
             </a:fld>
             <a:endParaRPr lang="en-US"/>
           </a:p>
@@ -2676,13 +2362,7 @@
       </p:sp>
       <p:sp>
         <p:nvSpPr>
-          <p:cNvPr id="6" name="Footer Placeholder 5">
-            <a:extLst>
-              <a:ext uri="{FF2B5EF4-FFF2-40B4-BE49-F238E27FC236}">
-                <a16:creationId xmlns:a16="http://schemas.microsoft.com/office/drawing/2014/main" id="{FC6C0E9D-45E9-6EF4-A5B5-4BB97B9E045F}"/>
-              </a:ext>
-            </a:extLst>
-          </p:cNvPr>
+          <p:cNvPr id="6" name="Footer Placeholder 5"/>
           <p:cNvSpPr>
             <a:spLocks noGrp="1"/>
           </p:cNvSpPr>
@@ -2701,13 +2381,7 @@
       </p:sp>
       <p:sp>
         <p:nvSpPr>
-          <p:cNvPr id="7" name="Slide Number Placeholder 6">
-            <a:extLst>
-              <a:ext uri="{FF2B5EF4-FFF2-40B4-BE49-F238E27FC236}">
-                <a16:creationId xmlns:a16="http://schemas.microsoft.com/office/drawing/2014/main" id="{8DC2A940-17CB-1549-0BB7-EEB985759E81}"/>
-              </a:ext>
-            </a:extLst>
-          </p:cNvPr>
+          <p:cNvPr id="7" name="Slide Number Placeholder 6"/>
           <p:cNvSpPr>
             <a:spLocks noGrp="1"/>
           </p:cNvSpPr>
@@ -2731,7 +2405,7 @@
     </p:spTree>
     <p:extLst>
       <p:ext uri="{BB962C8B-B14F-4D97-AF65-F5344CB8AC3E}">
-        <p14:creationId xmlns:p14="http://schemas.microsoft.com/office/powerpoint/2010/main" val="468519627"/>
+        <p14:creationId xmlns:p14="http://schemas.microsoft.com/office/powerpoint/2010/main" val="436040623"/>
       </p:ext>
     </p:extLst>
   </p:cSld>
@@ -2765,13 +2439,7 @@
       </p:grpSpPr>
       <p:sp>
         <p:nvSpPr>
-          <p:cNvPr id="2" name="Title Placeholder 1">
-            <a:extLst>
-              <a:ext uri="{FF2B5EF4-FFF2-40B4-BE49-F238E27FC236}">
-                <a16:creationId xmlns:a16="http://schemas.microsoft.com/office/drawing/2014/main" id="{8E95F2E9-770D-AFDE-1B55-C2A0B20FA490}"/>
-              </a:ext>
-            </a:extLst>
-          </p:cNvPr>
+          <p:cNvPr id="2" name="Title Placeholder 1"/>
           <p:cNvSpPr>
             <a:spLocks noGrp="1"/>
           </p:cNvSpPr>
@@ -2781,8 +2449,8 @@
         </p:nvSpPr>
         <p:spPr>
           <a:xfrm>
-            <a:off x="838200" y="365125"/>
-            <a:ext cx="10515600" cy="1325563"/>
+            <a:off x="471488" y="527405"/>
+            <a:ext cx="5915025" cy="1914702"/>
           </a:xfrm>
           <a:prstGeom prst="rect">
             <a:avLst/>
@@ -2798,18 +2466,13 @@
               <a:rPr lang="en-US"/>
               <a:t>Click to edit Master title style</a:t>
             </a:r>
-          </a:p>
-        </p:txBody>
-      </p:sp>
-      <p:sp>
-        <p:nvSpPr>
-          <p:cNvPr id="3" name="Text Placeholder 2">
-            <a:extLst>
-              <a:ext uri="{FF2B5EF4-FFF2-40B4-BE49-F238E27FC236}">
-                <a16:creationId xmlns:a16="http://schemas.microsoft.com/office/drawing/2014/main" id="{63A84577-C35B-7B09-FCBB-1FB224642E61}"/>
-              </a:ext>
-            </a:extLst>
-          </p:cNvPr>
+            <a:endParaRPr lang="en-US" dirty="0"/>
+          </a:p>
+        </p:txBody>
+      </p:sp>
+      <p:sp>
+        <p:nvSpPr>
+          <p:cNvPr id="3" name="Text Placeholder 2"/>
           <p:cNvSpPr>
             <a:spLocks noGrp="1"/>
           </p:cNvSpPr>
@@ -2819,8 +2482,8 @@
         </p:nvSpPr>
         <p:spPr>
           <a:xfrm>
-            <a:off x="838200" y="1825625"/>
-            <a:ext cx="10515600" cy="4351338"/>
+            <a:off x="471488" y="2637014"/>
+            <a:ext cx="5915025" cy="6285266"/>
           </a:xfrm>
           <a:prstGeom prst="rect">
             <a:avLst/>
@@ -2865,18 +2528,13 @@
               <a:rPr lang="en-US"/>
               <a:t>Fifth level</a:t>
             </a:r>
-          </a:p>
-        </p:txBody>
-      </p:sp>
-      <p:sp>
-        <p:nvSpPr>
-          <p:cNvPr id="4" name="Date Placeholder 3">
-            <a:extLst>
-              <a:ext uri="{FF2B5EF4-FFF2-40B4-BE49-F238E27FC236}">
-                <a16:creationId xmlns:a16="http://schemas.microsoft.com/office/drawing/2014/main" id="{16CB55BE-031A-146E-7292-1205F72D1B2C}"/>
-              </a:ext>
-            </a:extLst>
-          </p:cNvPr>
+            <a:endParaRPr lang="en-US" dirty="0"/>
+          </a:p>
+        </p:txBody>
+      </p:sp>
+      <p:sp>
+        <p:nvSpPr>
+          <p:cNvPr id="4" name="Date Placeholder 3"/>
           <p:cNvSpPr>
             <a:spLocks noGrp="1"/>
           </p:cNvSpPr>
@@ -2886,8 +2544,8 @@
         </p:nvSpPr>
         <p:spPr>
           <a:xfrm>
-            <a:off x="838200" y="6356350"/>
-            <a:ext cx="2743200" cy="365125"/>
+            <a:off x="471488" y="9181397"/>
+            <a:ext cx="1543050" cy="527403"/>
           </a:xfrm>
           <a:prstGeom prst="rect">
             <a:avLst/>
@@ -2897,7 +2555,7 @@
           <a:bodyPr vert="horz" lIns="91440" tIns="45720" rIns="91440" bIns="45720" rtlCol="0" anchor="ctr"/>
           <a:lstStyle>
             <a:lvl1pPr algn="l">
-              <a:defRPr sz="1200">
+              <a:defRPr sz="900">
                 <a:solidFill>
                   <a:schemeClr val="tx1">
                     <a:tint val="75000"/>
@@ -2909,7 +2567,7 @@
           <a:p>
             <a:fld id="{E6972812-BFA0-433F-B0B8-D8659A2FD4BD}" type="datetimeFigureOut">
               <a:rPr lang="en-US" smtClean="0"/>
-              <a:t>6/25/2024</a:t>
+              <a:t>7/21/2024</a:t>
             </a:fld>
             <a:endParaRPr lang="en-US"/>
           </a:p>
@@ -2917,13 +2575,7 @@
       </p:sp>
       <p:sp>
         <p:nvSpPr>
-          <p:cNvPr id="5" name="Footer Placeholder 4">
-            <a:extLst>
-              <a:ext uri="{FF2B5EF4-FFF2-40B4-BE49-F238E27FC236}">
-                <a16:creationId xmlns:a16="http://schemas.microsoft.com/office/drawing/2014/main" id="{B7CC7B44-1401-0D76-5802-330B6659D754}"/>
-              </a:ext>
-            </a:extLst>
-          </p:cNvPr>
+          <p:cNvPr id="5" name="Footer Placeholder 4"/>
           <p:cNvSpPr>
             <a:spLocks noGrp="1"/>
           </p:cNvSpPr>
@@ -2933,8 +2585,8 @@
         </p:nvSpPr>
         <p:spPr>
           <a:xfrm>
-            <a:off x="4038600" y="6356350"/>
-            <a:ext cx="4114800" cy="365125"/>
+            <a:off x="2271713" y="9181397"/>
+            <a:ext cx="2314575" cy="527403"/>
           </a:xfrm>
           <a:prstGeom prst="rect">
             <a:avLst/>
@@ -2944,7 +2596,7 @@
           <a:bodyPr vert="horz" lIns="91440" tIns="45720" rIns="91440" bIns="45720" rtlCol="0" anchor="ctr"/>
           <a:lstStyle>
             <a:lvl1pPr algn="ctr">
-              <a:defRPr sz="1200">
+              <a:defRPr sz="900">
                 <a:solidFill>
                   <a:schemeClr val="tx1">
                     <a:tint val="75000"/>
@@ -2960,13 +2612,7 @@
       </p:sp>
       <p:sp>
         <p:nvSpPr>
-          <p:cNvPr id="6" name="Slide Number Placeholder 5">
-            <a:extLst>
-              <a:ext uri="{FF2B5EF4-FFF2-40B4-BE49-F238E27FC236}">
-                <a16:creationId xmlns:a16="http://schemas.microsoft.com/office/drawing/2014/main" id="{3D36EB1B-D1A4-5536-5C56-53776537911A}"/>
-              </a:ext>
-            </a:extLst>
-          </p:cNvPr>
+          <p:cNvPr id="6" name="Slide Number Placeholder 5"/>
           <p:cNvSpPr>
             <a:spLocks noGrp="1"/>
           </p:cNvSpPr>
@@ -2976,8 +2622,8 @@
         </p:nvSpPr>
         <p:spPr>
           <a:xfrm>
-            <a:off x="8610600" y="6356350"/>
-            <a:ext cx="2743200" cy="365125"/>
+            <a:off x="4843463" y="9181397"/>
+            <a:ext cx="1543050" cy="527403"/>
           </a:xfrm>
           <a:prstGeom prst="rect">
             <a:avLst/>
@@ -2987,7 +2633,7 @@
           <a:bodyPr vert="horz" lIns="91440" tIns="45720" rIns="91440" bIns="45720" rtlCol="0" anchor="ctr"/>
           <a:lstStyle>
             <a:lvl1pPr algn="r">
-              <a:defRPr sz="1200">
+              <a:defRPr sz="900">
                 <a:solidFill>
                   <a:schemeClr val="tx1">
                     <a:tint val="75000"/>
@@ -3008,27 +2654,27 @@
     </p:spTree>
     <p:extLst>
       <p:ext uri="{BB962C8B-B14F-4D97-AF65-F5344CB8AC3E}">
-        <p14:creationId xmlns:p14="http://schemas.microsoft.com/office/powerpoint/2010/main" val="2047572252"/>
+        <p14:creationId xmlns:p14="http://schemas.microsoft.com/office/powerpoint/2010/main" val="3937692780"/>
       </p:ext>
     </p:extLst>
   </p:cSld>
   <p:clrMap bg1="lt1" tx1="dk1" bg2="lt2" tx2="dk2" accent1="accent1" accent2="accent2" accent3="accent3" accent4="accent4" accent5="accent5" accent6="accent6" hlink="hlink" folHlink="folHlink"/>
   <p:sldLayoutIdLst>
-    <p:sldLayoutId id="2147483649" r:id="rId1"/>
-    <p:sldLayoutId id="2147483650" r:id="rId2"/>
-    <p:sldLayoutId id="2147483651" r:id="rId3"/>
-    <p:sldLayoutId id="2147483652" r:id="rId4"/>
-    <p:sldLayoutId id="2147483653" r:id="rId5"/>
-    <p:sldLayoutId id="2147483654" r:id="rId6"/>
-    <p:sldLayoutId id="2147483655" r:id="rId7"/>
-    <p:sldLayoutId id="2147483656" r:id="rId8"/>
-    <p:sldLayoutId id="2147483657" r:id="rId9"/>
-    <p:sldLayoutId id="2147483658" r:id="rId10"/>
-    <p:sldLayoutId id="2147483659" r:id="rId11"/>
+    <p:sldLayoutId id="2147483661" r:id="rId1"/>
+    <p:sldLayoutId id="2147483662" r:id="rId2"/>
+    <p:sldLayoutId id="2147483663" r:id="rId3"/>
+    <p:sldLayoutId id="2147483664" r:id="rId4"/>
+    <p:sldLayoutId id="2147483665" r:id="rId5"/>
+    <p:sldLayoutId id="2147483666" r:id="rId6"/>
+    <p:sldLayoutId id="2147483667" r:id="rId7"/>
+    <p:sldLayoutId id="2147483668" r:id="rId8"/>
+    <p:sldLayoutId id="2147483669" r:id="rId9"/>
+    <p:sldLayoutId id="2147483670" r:id="rId10"/>
+    <p:sldLayoutId id="2147483671" r:id="rId11"/>
   </p:sldLayoutIdLst>
   <p:txStyles>
     <p:titleStyle>
-      <a:lvl1pPr algn="l" defTabSz="914400" rtl="0" eaLnBrk="1" latinLnBrk="0" hangingPunct="1">
+      <a:lvl1pPr algn="l" defTabSz="685800" rtl="0" eaLnBrk="1" latinLnBrk="0" hangingPunct="1">
         <a:lnSpc>
           <a:spcPct val="90000"/>
         </a:lnSpc>
@@ -3036,7 +2682,7 @@
           <a:spcPct val="0"/>
         </a:spcBef>
         <a:buNone/>
-        <a:defRPr sz="4400" kern="1200">
+        <a:defRPr sz="3300" kern="1200">
           <a:solidFill>
             <a:schemeClr val="tx1"/>
           </a:solidFill>
@@ -3047,16 +2693,16 @@
       </a:lvl1pPr>
     </p:titleStyle>
     <p:bodyStyle>
-      <a:lvl1pPr marL="228600" indent="-228600" algn="l" defTabSz="914400" rtl="0" eaLnBrk="1" latinLnBrk="0" hangingPunct="1">
+      <a:lvl1pPr marL="171450" indent="-171450" algn="l" defTabSz="685800" rtl="0" eaLnBrk="1" latinLnBrk="0" hangingPunct="1">
         <a:lnSpc>
           <a:spcPct val="90000"/>
         </a:lnSpc>
         <a:spcBef>
-          <a:spcPts val="1000"/>
+          <a:spcPts val="750"/>
         </a:spcBef>
         <a:buFont typeface="Arial" panose="020B0604020202020204" pitchFamily="34" charset="0"/>
         <a:buChar char="•"/>
-        <a:defRPr sz="2800" kern="1200">
+        <a:defRPr sz="2100" kern="1200">
           <a:solidFill>
             <a:schemeClr val="tx1"/>
           </a:solidFill>
@@ -3065,48 +2711,12 @@
           <a:cs typeface="+mn-cs"/>
         </a:defRPr>
       </a:lvl1pPr>
-      <a:lvl2pPr marL="685800" indent="-228600" algn="l" defTabSz="914400" rtl="0" eaLnBrk="1" latinLnBrk="0" hangingPunct="1">
+      <a:lvl2pPr marL="514350" indent="-171450" algn="l" defTabSz="685800" rtl="0" eaLnBrk="1" latinLnBrk="0" hangingPunct="1">
         <a:lnSpc>
           <a:spcPct val="90000"/>
         </a:lnSpc>
         <a:spcBef>
-          <a:spcPts val="500"/>
-        </a:spcBef>
-        <a:buFont typeface="Arial" panose="020B0604020202020204" pitchFamily="34" charset="0"/>
-        <a:buChar char="•"/>
-        <a:defRPr sz="2400" kern="1200">
-          <a:solidFill>
-            <a:schemeClr val="tx1"/>
-          </a:solidFill>
-          <a:latin typeface="+mn-lt"/>
-          <a:ea typeface="+mn-ea"/>
-          <a:cs typeface="+mn-cs"/>
-        </a:defRPr>
-      </a:lvl2pPr>
-      <a:lvl3pPr marL="1143000" indent="-228600" algn="l" defTabSz="914400" rtl="0" eaLnBrk="1" latinLnBrk="0" hangingPunct="1">
-        <a:lnSpc>
-          <a:spcPct val="90000"/>
-        </a:lnSpc>
-        <a:spcBef>
-          <a:spcPts val="500"/>
-        </a:spcBef>
-        <a:buFont typeface="Arial" panose="020B0604020202020204" pitchFamily="34" charset="0"/>
-        <a:buChar char="•"/>
-        <a:defRPr sz="2000" kern="1200">
-          <a:solidFill>
-            <a:schemeClr val="tx1"/>
-          </a:solidFill>
-          <a:latin typeface="+mn-lt"/>
-          <a:ea typeface="+mn-ea"/>
-          <a:cs typeface="+mn-cs"/>
-        </a:defRPr>
-      </a:lvl3pPr>
-      <a:lvl4pPr marL="1600200" indent="-228600" algn="l" defTabSz="914400" rtl="0" eaLnBrk="1" latinLnBrk="0" hangingPunct="1">
-        <a:lnSpc>
-          <a:spcPct val="90000"/>
-        </a:lnSpc>
-        <a:spcBef>
-          <a:spcPts val="500"/>
+          <a:spcPts val="375"/>
         </a:spcBef>
         <a:buFont typeface="Arial" panose="020B0604020202020204" pitchFamily="34" charset="0"/>
         <a:buChar char="•"/>
@@ -3118,17 +2728,53 @@
           <a:ea typeface="+mn-ea"/>
           <a:cs typeface="+mn-cs"/>
         </a:defRPr>
-      </a:lvl4pPr>
-      <a:lvl5pPr marL="2057400" indent="-228600" algn="l" defTabSz="914400" rtl="0" eaLnBrk="1" latinLnBrk="0" hangingPunct="1">
+      </a:lvl2pPr>
+      <a:lvl3pPr marL="857250" indent="-171450" algn="l" defTabSz="685800" rtl="0" eaLnBrk="1" latinLnBrk="0" hangingPunct="1">
         <a:lnSpc>
           <a:spcPct val="90000"/>
         </a:lnSpc>
         <a:spcBef>
-          <a:spcPts val="500"/>
+          <a:spcPts val="375"/>
         </a:spcBef>
         <a:buFont typeface="Arial" panose="020B0604020202020204" pitchFamily="34" charset="0"/>
         <a:buChar char="•"/>
-        <a:defRPr sz="1800" kern="1200">
+        <a:defRPr sz="1500" kern="1200">
+          <a:solidFill>
+            <a:schemeClr val="tx1"/>
+          </a:solidFill>
+          <a:latin typeface="+mn-lt"/>
+          <a:ea typeface="+mn-ea"/>
+          <a:cs typeface="+mn-cs"/>
+        </a:defRPr>
+      </a:lvl3pPr>
+      <a:lvl4pPr marL="1200150" indent="-171450" algn="l" defTabSz="685800" rtl="0" eaLnBrk="1" latinLnBrk="0" hangingPunct="1">
+        <a:lnSpc>
+          <a:spcPct val="90000"/>
+        </a:lnSpc>
+        <a:spcBef>
+          <a:spcPts val="375"/>
+        </a:spcBef>
+        <a:buFont typeface="Arial" panose="020B0604020202020204" pitchFamily="34" charset="0"/>
+        <a:buChar char="•"/>
+        <a:defRPr sz="1350" kern="1200">
+          <a:solidFill>
+            <a:schemeClr val="tx1"/>
+          </a:solidFill>
+          <a:latin typeface="+mn-lt"/>
+          <a:ea typeface="+mn-ea"/>
+          <a:cs typeface="+mn-cs"/>
+        </a:defRPr>
+      </a:lvl4pPr>
+      <a:lvl5pPr marL="1543050" indent="-171450" algn="l" defTabSz="685800" rtl="0" eaLnBrk="1" latinLnBrk="0" hangingPunct="1">
+        <a:lnSpc>
+          <a:spcPct val="90000"/>
+        </a:lnSpc>
+        <a:spcBef>
+          <a:spcPts val="375"/>
+        </a:spcBef>
+        <a:buFont typeface="Arial" panose="020B0604020202020204" pitchFamily="34" charset="0"/>
+        <a:buChar char="•"/>
+        <a:defRPr sz="1350" kern="1200">
           <a:solidFill>
             <a:schemeClr val="tx1"/>
           </a:solidFill>
@@ -3137,16 +2783,16 @@
           <a:cs typeface="+mn-cs"/>
         </a:defRPr>
       </a:lvl5pPr>
-      <a:lvl6pPr marL="2514600" indent="-228600" algn="l" defTabSz="914400" rtl="0" eaLnBrk="1" latinLnBrk="0" hangingPunct="1">
+      <a:lvl6pPr marL="1885950" indent="-171450" algn="l" defTabSz="685800" rtl="0" eaLnBrk="1" latinLnBrk="0" hangingPunct="1">
         <a:lnSpc>
           <a:spcPct val="90000"/>
         </a:lnSpc>
         <a:spcBef>
-          <a:spcPts val="500"/>
+          <a:spcPts val="375"/>
         </a:spcBef>
         <a:buFont typeface="Arial" panose="020B0604020202020204" pitchFamily="34" charset="0"/>
         <a:buChar char="•"/>
-        <a:defRPr sz="1800" kern="1200">
+        <a:defRPr sz="1350" kern="1200">
           <a:solidFill>
             <a:schemeClr val="tx1"/>
           </a:solidFill>
@@ -3155,16 +2801,16 @@
           <a:cs typeface="+mn-cs"/>
         </a:defRPr>
       </a:lvl6pPr>
-      <a:lvl7pPr marL="2971800" indent="-228600" algn="l" defTabSz="914400" rtl="0" eaLnBrk="1" latinLnBrk="0" hangingPunct="1">
+      <a:lvl7pPr marL="2228850" indent="-171450" algn="l" defTabSz="685800" rtl="0" eaLnBrk="1" latinLnBrk="0" hangingPunct="1">
         <a:lnSpc>
           <a:spcPct val="90000"/>
         </a:lnSpc>
         <a:spcBef>
-          <a:spcPts val="500"/>
+          <a:spcPts val="375"/>
         </a:spcBef>
         <a:buFont typeface="Arial" panose="020B0604020202020204" pitchFamily="34" charset="0"/>
         <a:buChar char="•"/>
-        <a:defRPr sz="1800" kern="1200">
+        <a:defRPr sz="1350" kern="1200">
           <a:solidFill>
             <a:schemeClr val="tx1"/>
           </a:solidFill>
@@ -3173,16 +2819,16 @@
           <a:cs typeface="+mn-cs"/>
         </a:defRPr>
       </a:lvl7pPr>
-      <a:lvl8pPr marL="3429000" indent="-228600" algn="l" defTabSz="914400" rtl="0" eaLnBrk="1" latinLnBrk="0" hangingPunct="1">
+      <a:lvl8pPr marL="2571750" indent="-171450" algn="l" defTabSz="685800" rtl="0" eaLnBrk="1" latinLnBrk="0" hangingPunct="1">
         <a:lnSpc>
           <a:spcPct val="90000"/>
         </a:lnSpc>
         <a:spcBef>
-          <a:spcPts val="500"/>
+          <a:spcPts val="375"/>
         </a:spcBef>
         <a:buFont typeface="Arial" panose="020B0604020202020204" pitchFamily="34" charset="0"/>
         <a:buChar char="•"/>
-        <a:defRPr sz="1800" kern="1200">
+        <a:defRPr sz="1350" kern="1200">
           <a:solidFill>
             <a:schemeClr val="tx1"/>
           </a:solidFill>
@@ -3191,16 +2837,16 @@
           <a:cs typeface="+mn-cs"/>
         </a:defRPr>
       </a:lvl8pPr>
-      <a:lvl9pPr marL="3886200" indent="-228600" algn="l" defTabSz="914400" rtl="0" eaLnBrk="1" latinLnBrk="0" hangingPunct="1">
+      <a:lvl9pPr marL="2914650" indent="-171450" algn="l" defTabSz="685800" rtl="0" eaLnBrk="1" latinLnBrk="0" hangingPunct="1">
         <a:lnSpc>
           <a:spcPct val="90000"/>
         </a:lnSpc>
         <a:spcBef>
-          <a:spcPts val="500"/>
+          <a:spcPts val="375"/>
         </a:spcBef>
         <a:buFont typeface="Arial" panose="020B0604020202020204" pitchFamily="34" charset="0"/>
         <a:buChar char="•"/>
-        <a:defRPr sz="1800" kern="1200">
+        <a:defRPr sz="1350" kern="1200">
           <a:solidFill>
             <a:schemeClr val="tx1"/>
           </a:solidFill>
@@ -3214,8 +2860,8 @@
       <a:defPPr>
         <a:defRPr lang="en-US"/>
       </a:defPPr>
-      <a:lvl1pPr marL="0" algn="l" defTabSz="914400" rtl="0" eaLnBrk="1" latinLnBrk="0" hangingPunct="1">
-        <a:defRPr sz="1800" kern="1200">
+      <a:lvl1pPr marL="0" algn="l" defTabSz="685800" rtl="0" eaLnBrk="1" latinLnBrk="0" hangingPunct="1">
+        <a:defRPr sz="1350" kern="1200">
           <a:solidFill>
             <a:schemeClr val="tx1"/>
           </a:solidFill>
@@ -3224,8 +2870,8 @@
           <a:cs typeface="+mn-cs"/>
         </a:defRPr>
       </a:lvl1pPr>
-      <a:lvl2pPr marL="457200" algn="l" defTabSz="914400" rtl="0" eaLnBrk="1" latinLnBrk="0" hangingPunct="1">
-        <a:defRPr sz="1800" kern="1200">
+      <a:lvl2pPr marL="342900" algn="l" defTabSz="685800" rtl="0" eaLnBrk="1" latinLnBrk="0" hangingPunct="1">
+        <a:defRPr sz="1350" kern="1200">
           <a:solidFill>
             <a:schemeClr val="tx1"/>
           </a:solidFill>
@@ -3234,8 +2880,8 @@
           <a:cs typeface="+mn-cs"/>
         </a:defRPr>
       </a:lvl2pPr>
-      <a:lvl3pPr marL="914400" algn="l" defTabSz="914400" rtl="0" eaLnBrk="1" latinLnBrk="0" hangingPunct="1">
-        <a:defRPr sz="1800" kern="1200">
+      <a:lvl3pPr marL="685800" algn="l" defTabSz="685800" rtl="0" eaLnBrk="1" latinLnBrk="0" hangingPunct="1">
+        <a:defRPr sz="1350" kern="1200">
           <a:solidFill>
             <a:schemeClr val="tx1"/>
           </a:solidFill>
@@ -3244,8 +2890,8 @@
           <a:cs typeface="+mn-cs"/>
         </a:defRPr>
       </a:lvl3pPr>
-      <a:lvl4pPr marL="1371600" algn="l" defTabSz="914400" rtl="0" eaLnBrk="1" latinLnBrk="0" hangingPunct="1">
-        <a:defRPr sz="1800" kern="1200">
+      <a:lvl4pPr marL="1028700" algn="l" defTabSz="685800" rtl="0" eaLnBrk="1" latinLnBrk="0" hangingPunct="1">
+        <a:defRPr sz="1350" kern="1200">
           <a:solidFill>
             <a:schemeClr val="tx1"/>
           </a:solidFill>
@@ -3254,8 +2900,8 @@
           <a:cs typeface="+mn-cs"/>
         </a:defRPr>
       </a:lvl4pPr>
-      <a:lvl5pPr marL="1828800" algn="l" defTabSz="914400" rtl="0" eaLnBrk="1" latinLnBrk="0" hangingPunct="1">
-        <a:defRPr sz="1800" kern="1200">
+      <a:lvl5pPr marL="1371600" algn="l" defTabSz="685800" rtl="0" eaLnBrk="1" latinLnBrk="0" hangingPunct="1">
+        <a:defRPr sz="1350" kern="1200">
           <a:solidFill>
             <a:schemeClr val="tx1"/>
           </a:solidFill>
@@ -3264,8 +2910,8 @@
           <a:cs typeface="+mn-cs"/>
         </a:defRPr>
       </a:lvl5pPr>
-      <a:lvl6pPr marL="2286000" algn="l" defTabSz="914400" rtl="0" eaLnBrk="1" latinLnBrk="0" hangingPunct="1">
-        <a:defRPr sz="1800" kern="1200">
+      <a:lvl6pPr marL="1714500" algn="l" defTabSz="685800" rtl="0" eaLnBrk="1" latinLnBrk="0" hangingPunct="1">
+        <a:defRPr sz="1350" kern="1200">
           <a:solidFill>
             <a:schemeClr val="tx1"/>
           </a:solidFill>
@@ -3274,8 +2920,8 @@
           <a:cs typeface="+mn-cs"/>
         </a:defRPr>
       </a:lvl6pPr>
-      <a:lvl7pPr marL="2743200" algn="l" defTabSz="914400" rtl="0" eaLnBrk="1" latinLnBrk="0" hangingPunct="1">
-        <a:defRPr sz="1800" kern="1200">
+      <a:lvl7pPr marL="2057400" algn="l" defTabSz="685800" rtl="0" eaLnBrk="1" latinLnBrk="0" hangingPunct="1">
+        <a:defRPr sz="1350" kern="1200">
           <a:solidFill>
             <a:schemeClr val="tx1"/>
           </a:solidFill>
@@ -3284,8 +2930,8 @@
           <a:cs typeface="+mn-cs"/>
         </a:defRPr>
       </a:lvl7pPr>
-      <a:lvl8pPr marL="3200400" algn="l" defTabSz="914400" rtl="0" eaLnBrk="1" latinLnBrk="0" hangingPunct="1">
-        <a:defRPr sz="1800" kern="1200">
+      <a:lvl8pPr marL="2400300" algn="l" defTabSz="685800" rtl="0" eaLnBrk="1" latinLnBrk="0" hangingPunct="1">
+        <a:defRPr sz="1350" kern="1200">
           <a:solidFill>
             <a:schemeClr val="tx1"/>
           </a:solidFill>
@@ -3294,8 +2940,8 @@
           <a:cs typeface="+mn-cs"/>
         </a:defRPr>
       </a:lvl8pPr>
-      <a:lvl9pPr marL="3657600" algn="l" defTabSz="914400" rtl="0" eaLnBrk="1" latinLnBrk="0" hangingPunct="1">
-        <a:defRPr sz="1800" kern="1200">
+      <a:lvl9pPr marL="2743200" algn="l" defTabSz="685800" rtl="0" eaLnBrk="1" latinLnBrk="0" hangingPunct="1">
+        <a:defRPr sz="1350" kern="1200">
           <a:solidFill>
             <a:schemeClr val="tx1"/>
           </a:solidFill>
@@ -3326,6 +2972,704 @@
           <a:chExt cx="0" cy="0"/>
         </a:xfrm>
       </p:grpSpPr>
+      <p:sp>
+        <p:nvSpPr>
+          <p:cNvPr id="46" name="Rectangle 45">
+            <a:extLst>
+              <a:ext uri="{FF2B5EF4-FFF2-40B4-BE49-F238E27FC236}">
+                <a16:creationId xmlns:a16="http://schemas.microsoft.com/office/drawing/2014/main" id="{03452960-78A6-5385-BEED-E816BD9964C9}"/>
+              </a:ext>
+            </a:extLst>
+          </p:cNvPr>
+          <p:cNvSpPr/>
+          <p:nvPr/>
+        </p:nvSpPr>
+        <p:spPr>
+          <a:xfrm>
+            <a:off x="0" y="0"/>
+            <a:ext cx="1292225" cy="1322727"/>
+          </a:xfrm>
+          <a:prstGeom prst="rect">
+            <a:avLst/>
+          </a:prstGeom>
+        </p:spPr>
+        <p:style>
+          <a:lnRef idx="2">
+            <a:schemeClr val="dk1"/>
+          </a:lnRef>
+          <a:fillRef idx="1">
+            <a:schemeClr val="lt1"/>
+          </a:fillRef>
+          <a:effectRef idx="0">
+            <a:schemeClr val="dk1"/>
+          </a:effectRef>
+          <a:fontRef idx="minor">
+            <a:schemeClr val="dk1"/>
+          </a:fontRef>
+        </p:style>
+        <p:txBody>
+          <a:bodyPr rtlCol="0" anchor="ctr"/>
+          <a:lstStyle/>
+          <a:p>
+            <a:pPr algn="ctr"/>
+            <a:endParaRPr lang="en-US"/>
+          </a:p>
+        </p:txBody>
+      </p:sp>
+      <p:sp>
+        <p:nvSpPr>
+          <p:cNvPr id="2" name="Rectangle 1">
+            <a:extLst>
+              <a:ext uri="{FF2B5EF4-FFF2-40B4-BE49-F238E27FC236}">
+                <a16:creationId xmlns:a16="http://schemas.microsoft.com/office/drawing/2014/main" id="{3301B3E9-0F44-95C6-97B5-34220D88E2D5}"/>
+              </a:ext>
+            </a:extLst>
+          </p:cNvPr>
+          <p:cNvSpPr/>
+          <p:nvPr/>
+        </p:nvSpPr>
+        <p:spPr>
+          <a:xfrm>
+            <a:off x="257416" y="0"/>
+            <a:ext cx="777392" cy="584775"/>
+          </a:xfrm>
+          <a:prstGeom prst="rect">
+            <a:avLst/>
+          </a:prstGeom>
+          <a:noFill/>
+        </p:spPr>
+        <p:txBody>
+          <a:bodyPr wrap="none" lIns="91440" tIns="45720" rIns="91440" bIns="45720">
+            <a:spAutoFit/>
+          </a:bodyPr>
+          <a:lstStyle/>
+          <a:p>
+            <a:pPr algn="ctr"/>
+            <a:r>
+              <a:rPr lang="en-US" sz="3200" b="0" cap="none" spc="0" dirty="0">
+                <a:ln w="0"/>
+                <a:solidFill>
+                  <a:schemeClr val="tx1"/>
+                </a:solidFill>
+                <a:effectLst>
+                  <a:outerShdw blurRad="38100" dist="19050" dir="2700000" algn="tl" rotWithShape="0">
+                    <a:schemeClr val="dk1">
+                      <a:alpha val="40000"/>
+                    </a:schemeClr>
+                  </a:outerShdw>
+                </a:effectLst>
+              </a:rPr>
+              <a:t>CO</a:t>
+            </a:r>
+            <a:r>
+              <a:rPr lang="en-US" sz="1400" b="0" cap="none" spc="0" dirty="0">
+                <a:ln w="0"/>
+                <a:solidFill>
+                  <a:schemeClr val="tx1"/>
+                </a:solidFill>
+                <a:effectLst>
+                  <a:outerShdw blurRad="38100" dist="19050" dir="2700000" algn="tl" rotWithShape="0">
+                    <a:schemeClr val="dk1">
+                      <a:alpha val="40000"/>
+                    </a:schemeClr>
+                  </a:outerShdw>
+                </a:effectLst>
+              </a:rPr>
+              <a:t>2</a:t>
+            </a:r>
+            <a:endParaRPr lang="en-US" sz="3200" b="0" cap="none" spc="0" dirty="0">
+              <a:ln w="0"/>
+              <a:solidFill>
+                <a:schemeClr val="tx1"/>
+              </a:solidFill>
+              <a:effectLst>
+                <a:outerShdw blurRad="38100" dist="19050" dir="2700000" algn="tl" rotWithShape="0">
+                  <a:schemeClr val="dk1">
+                    <a:alpha val="40000"/>
+                  </a:schemeClr>
+                </a:outerShdw>
+              </a:effectLst>
+            </a:endParaRPr>
+          </a:p>
+        </p:txBody>
+      </p:sp>
+      <p:sp>
+        <p:nvSpPr>
+          <p:cNvPr id="49" name="Rectangle 48">
+            <a:extLst>
+              <a:ext uri="{FF2B5EF4-FFF2-40B4-BE49-F238E27FC236}">
+                <a16:creationId xmlns:a16="http://schemas.microsoft.com/office/drawing/2014/main" id="{2AF22B73-B30D-AAA4-DCBA-A71ADD322993}"/>
+              </a:ext>
+            </a:extLst>
+          </p:cNvPr>
+          <p:cNvSpPr/>
+          <p:nvPr/>
+        </p:nvSpPr>
+        <p:spPr>
+          <a:xfrm>
+            <a:off x="1281765" y="0"/>
+            <a:ext cx="1292225" cy="1322727"/>
+          </a:xfrm>
+          <a:prstGeom prst="rect">
+            <a:avLst/>
+          </a:prstGeom>
+        </p:spPr>
+        <p:style>
+          <a:lnRef idx="2">
+            <a:schemeClr val="dk1"/>
+          </a:lnRef>
+          <a:fillRef idx="1">
+            <a:schemeClr val="lt1"/>
+          </a:fillRef>
+          <a:effectRef idx="0">
+            <a:schemeClr val="dk1"/>
+          </a:effectRef>
+          <a:fontRef idx="minor">
+            <a:schemeClr val="dk1"/>
+          </a:fontRef>
+        </p:style>
+        <p:txBody>
+          <a:bodyPr rtlCol="0" anchor="ctr"/>
+          <a:lstStyle/>
+          <a:p>
+            <a:pPr algn="ctr"/>
+            <a:endParaRPr lang="en-US"/>
+          </a:p>
+        </p:txBody>
+      </p:sp>
+      <p:sp>
+        <p:nvSpPr>
+          <p:cNvPr id="33" name="Rectangle 32">
+            <a:extLst>
+              <a:ext uri="{FF2B5EF4-FFF2-40B4-BE49-F238E27FC236}">
+                <a16:creationId xmlns:a16="http://schemas.microsoft.com/office/drawing/2014/main" id="{54EAD5E9-F39E-02AF-46CD-76D8D8E569FA}"/>
+              </a:ext>
+            </a:extLst>
+          </p:cNvPr>
+          <p:cNvSpPr/>
+          <p:nvPr/>
+        </p:nvSpPr>
+        <p:spPr>
+          <a:xfrm>
+            <a:off x="1562117" y="0"/>
+            <a:ext cx="673197" cy="584775"/>
+          </a:xfrm>
+          <a:prstGeom prst="rect">
+            <a:avLst/>
+          </a:prstGeom>
+          <a:noFill/>
+        </p:spPr>
+        <p:txBody>
+          <a:bodyPr wrap="none" lIns="91440" tIns="45720" rIns="91440" bIns="45720">
+            <a:spAutoFit/>
+          </a:bodyPr>
+          <a:lstStyle/>
+          <a:p>
+            <a:pPr algn="ctr"/>
+            <a:r>
+              <a:rPr lang="en-US" sz="3200" b="0" cap="none" spc="0" dirty="0">
+                <a:ln w="0"/>
+                <a:solidFill>
+                  <a:schemeClr val="tx1"/>
+                </a:solidFill>
+                <a:effectLst>
+                  <a:outerShdw blurRad="38100" dist="19050" dir="2700000" algn="tl" rotWithShape="0">
+                    <a:schemeClr val="dk1">
+                      <a:alpha val="40000"/>
+                    </a:schemeClr>
+                  </a:outerShdw>
+                </a:effectLst>
+              </a:rPr>
+              <a:t>CO</a:t>
+            </a:r>
+          </a:p>
+        </p:txBody>
+      </p:sp>
+      <p:sp>
+        <p:nvSpPr>
+          <p:cNvPr id="48" name="Rectangle 47">
+            <a:extLst>
+              <a:ext uri="{FF2B5EF4-FFF2-40B4-BE49-F238E27FC236}">
+                <a16:creationId xmlns:a16="http://schemas.microsoft.com/office/drawing/2014/main" id="{34002F69-158B-24A0-FDE4-4E2ADC64F9CC}"/>
+              </a:ext>
+            </a:extLst>
+          </p:cNvPr>
+          <p:cNvSpPr/>
+          <p:nvPr/>
+        </p:nvSpPr>
+        <p:spPr>
+          <a:xfrm>
+            <a:off x="171463" y="952025"/>
+            <a:ext cx="949298" cy="276999"/>
+          </a:xfrm>
+          <a:prstGeom prst="rect">
+            <a:avLst/>
+          </a:prstGeom>
+          <a:noFill/>
+        </p:spPr>
+        <p:txBody>
+          <a:bodyPr wrap="none" lIns="91440" tIns="45720" rIns="91440" bIns="45720">
+            <a:spAutoFit/>
+          </a:bodyPr>
+          <a:lstStyle/>
+          <a:p>
+            <a:pPr algn="r"/>
+            <a:r>
+              <a:rPr lang="fa-IR" sz="1200" b="0" cap="none" spc="0" dirty="0">
+                <a:ln w="0"/>
+                <a:solidFill>
+                  <a:schemeClr val="tx1"/>
+                </a:solidFill>
+                <a:effectLst>
+                  <a:outerShdw blurRad="38100" dist="19050" dir="2700000" algn="tl" rotWithShape="0">
+                    <a:schemeClr val="dk1">
+                      <a:alpha val="40000"/>
+                    </a:schemeClr>
+                  </a:outerShdw>
+                </a:effectLst>
+                <a:cs typeface="A Afsaneh" panose="02000700000000000000" pitchFamily="2" charset="-78"/>
+              </a:rPr>
+              <a:t>کربن دی اکسید</a:t>
+            </a:r>
+            <a:endParaRPr lang="en-US" sz="1200" b="0" cap="none" spc="0" dirty="0">
+              <a:ln w="0"/>
+              <a:solidFill>
+                <a:schemeClr val="tx1"/>
+              </a:solidFill>
+              <a:effectLst>
+                <a:outerShdw blurRad="38100" dist="19050" dir="2700000" algn="tl" rotWithShape="0">
+                  <a:schemeClr val="dk1">
+                    <a:alpha val="40000"/>
+                  </a:schemeClr>
+                </a:outerShdw>
+              </a:effectLst>
+              <a:cs typeface="A Afsaneh" panose="02000700000000000000" pitchFamily="2" charset="-78"/>
+            </a:endParaRPr>
+          </a:p>
+        </p:txBody>
+      </p:sp>
+      <p:sp>
+        <p:nvSpPr>
+          <p:cNvPr id="55" name="Rectangle 54">
+            <a:extLst>
+              <a:ext uri="{FF2B5EF4-FFF2-40B4-BE49-F238E27FC236}">
+                <a16:creationId xmlns:a16="http://schemas.microsoft.com/office/drawing/2014/main" id="{FB7E4090-FFA1-702B-7A17-64FABAA31E48}"/>
+              </a:ext>
+            </a:extLst>
+          </p:cNvPr>
+          <p:cNvSpPr/>
+          <p:nvPr/>
+        </p:nvSpPr>
+        <p:spPr>
+          <a:xfrm>
+            <a:off x="2573990" y="-1"/>
+            <a:ext cx="1292225" cy="1322727"/>
+          </a:xfrm>
+          <a:prstGeom prst="rect">
+            <a:avLst/>
+          </a:prstGeom>
+        </p:spPr>
+        <p:style>
+          <a:lnRef idx="2">
+            <a:schemeClr val="dk1"/>
+          </a:lnRef>
+          <a:fillRef idx="1">
+            <a:schemeClr val="lt1"/>
+          </a:fillRef>
+          <a:effectRef idx="0">
+            <a:schemeClr val="dk1"/>
+          </a:effectRef>
+          <a:fontRef idx="minor">
+            <a:schemeClr val="dk1"/>
+          </a:fontRef>
+        </p:style>
+        <p:txBody>
+          <a:bodyPr rtlCol="0" anchor="ctr"/>
+          <a:lstStyle/>
+          <a:p>
+            <a:pPr algn="ctr"/>
+            <a:endParaRPr lang="en-US"/>
+          </a:p>
+        </p:txBody>
+      </p:sp>
+      <p:sp>
+        <p:nvSpPr>
+          <p:cNvPr id="57" name="Rectangle 56">
+            <a:extLst>
+              <a:ext uri="{FF2B5EF4-FFF2-40B4-BE49-F238E27FC236}">
+                <a16:creationId xmlns:a16="http://schemas.microsoft.com/office/drawing/2014/main" id="{C9AF470C-CF52-B763-0355-D152F96674BD}"/>
+              </a:ext>
+            </a:extLst>
+          </p:cNvPr>
+          <p:cNvSpPr/>
+          <p:nvPr/>
+        </p:nvSpPr>
+        <p:spPr>
+          <a:xfrm>
+            <a:off x="2851252" y="-1"/>
+            <a:ext cx="737702" cy="584775"/>
+          </a:xfrm>
+          <a:prstGeom prst="rect">
+            <a:avLst/>
+          </a:prstGeom>
+          <a:noFill/>
+        </p:spPr>
+        <p:txBody>
+          <a:bodyPr wrap="none" lIns="91440" tIns="45720" rIns="91440" bIns="45720">
+            <a:spAutoFit/>
+          </a:bodyPr>
+          <a:lstStyle/>
+          <a:p>
+            <a:pPr algn="ctr"/>
+            <a:r>
+              <a:rPr lang="en-US" sz="3200" dirty="0">
+                <a:ln w="0"/>
+                <a:effectLst>
+                  <a:outerShdw blurRad="38100" dist="19050" dir="2700000" algn="tl" rotWithShape="0">
+                    <a:schemeClr val="dk1">
+                      <a:alpha val="40000"/>
+                    </a:schemeClr>
+                  </a:outerShdw>
+                </a:effectLst>
+              </a:rPr>
+              <a:t>SO</a:t>
+            </a:r>
+            <a:r>
+              <a:rPr lang="en-US" sz="1400" dirty="0">
+                <a:ln w="0"/>
+                <a:effectLst>
+                  <a:outerShdw blurRad="38100" dist="19050" dir="2700000" algn="tl" rotWithShape="0">
+                    <a:schemeClr val="dk1">
+                      <a:alpha val="40000"/>
+                    </a:schemeClr>
+                  </a:outerShdw>
+                </a:effectLst>
+              </a:rPr>
+              <a:t>2</a:t>
+            </a:r>
+            <a:endParaRPr lang="en-US" sz="1400" b="0" cap="none" spc="0" dirty="0">
+              <a:ln w="0"/>
+              <a:solidFill>
+                <a:schemeClr val="tx1"/>
+              </a:solidFill>
+              <a:effectLst>
+                <a:outerShdw blurRad="38100" dist="19050" dir="2700000" algn="tl" rotWithShape="0">
+                  <a:schemeClr val="dk1">
+                    <a:alpha val="40000"/>
+                  </a:schemeClr>
+                </a:outerShdw>
+              </a:effectLst>
+            </a:endParaRPr>
+          </a:p>
+        </p:txBody>
+      </p:sp>
+      <p:sp>
+        <p:nvSpPr>
+          <p:cNvPr id="79" name="Rectangle 78">
+            <a:extLst>
+              <a:ext uri="{FF2B5EF4-FFF2-40B4-BE49-F238E27FC236}">
+                <a16:creationId xmlns:a16="http://schemas.microsoft.com/office/drawing/2014/main" id="{91A284FA-018E-236D-4BE2-F6EFD744186E}"/>
+              </a:ext>
+            </a:extLst>
+          </p:cNvPr>
+          <p:cNvSpPr/>
+          <p:nvPr/>
+        </p:nvSpPr>
+        <p:spPr>
+          <a:xfrm>
+            <a:off x="3866215" y="-1"/>
+            <a:ext cx="1292225" cy="1322727"/>
+          </a:xfrm>
+          <a:prstGeom prst="rect">
+            <a:avLst/>
+          </a:prstGeom>
+        </p:spPr>
+        <p:style>
+          <a:lnRef idx="2">
+            <a:schemeClr val="dk1"/>
+          </a:lnRef>
+          <a:fillRef idx="1">
+            <a:schemeClr val="lt1"/>
+          </a:fillRef>
+          <a:effectRef idx="0">
+            <a:schemeClr val="dk1"/>
+          </a:effectRef>
+          <a:fontRef idx="minor">
+            <a:schemeClr val="dk1"/>
+          </a:fontRef>
+        </p:style>
+        <p:txBody>
+          <a:bodyPr rtlCol="0" anchor="ctr"/>
+          <a:lstStyle/>
+          <a:p>
+            <a:pPr algn="ctr"/>
+            <a:endParaRPr lang="en-US"/>
+          </a:p>
+        </p:txBody>
+      </p:sp>
+      <p:sp>
+        <p:nvSpPr>
+          <p:cNvPr id="81" name="Rectangle 80">
+            <a:extLst>
+              <a:ext uri="{FF2B5EF4-FFF2-40B4-BE49-F238E27FC236}">
+                <a16:creationId xmlns:a16="http://schemas.microsoft.com/office/drawing/2014/main" id="{25840536-2205-D438-7195-352DD5F2DE03}"/>
+              </a:ext>
+            </a:extLst>
+          </p:cNvPr>
+          <p:cNvSpPr/>
+          <p:nvPr/>
+        </p:nvSpPr>
+        <p:spPr>
+          <a:xfrm>
+            <a:off x="4109813" y="-1"/>
+            <a:ext cx="805029" cy="584775"/>
+          </a:xfrm>
+          <a:prstGeom prst="rect">
+            <a:avLst/>
+          </a:prstGeom>
+          <a:noFill/>
+        </p:spPr>
+        <p:txBody>
+          <a:bodyPr wrap="none" lIns="91440" tIns="45720" rIns="91440" bIns="45720">
+            <a:spAutoFit/>
+          </a:bodyPr>
+          <a:lstStyle/>
+          <a:p>
+            <a:pPr algn="ctr"/>
+            <a:r>
+              <a:rPr lang="en-US" sz="3200" dirty="0">
+                <a:ln w="0"/>
+                <a:effectLst>
+                  <a:outerShdw blurRad="38100" dist="19050" dir="2700000" algn="tl" rotWithShape="0">
+                    <a:schemeClr val="dk1">
+                      <a:alpha val="40000"/>
+                    </a:schemeClr>
+                  </a:outerShdw>
+                </a:effectLst>
+              </a:rPr>
+              <a:t>H</a:t>
+            </a:r>
+            <a:r>
+              <a:rPr lang="en-US" sz="1400" dirty="0">
+                <a:ln w="0"/>
+                <a:effectLst>
+                  <a:outerShdw blurRad="38100" dist="19050" dir="2700000" algn="tl" rotWithShape="0">
+                    <a:schemeClr val="dk1">
+                      <a:alpha val="40000"/>
+                    </a:schemeClr>
+                  </a:outerShdw>
+                </a:effectLst>
+              </a:rPr>
+              <a:t>2</a:t>
+            </a:r>
+            <a:r>
+              <a:rPr lang="en-US" sz="3200" dirty="0">
+                <a:ln w="0"/>
+                <a:effectLst>
+                  <a:outerShdw blurRad="38100" dist="19050" dir="2700000" algn="tl" rotWithShape="0">
+                    <a:schemeClr val="dk1">
+                      <a:alpha val="40000"/>
+                    </a:schemeClr>
+                  </a:outerShdw>
+                </a:effectLst>
+              </a:rPr>
+              <a:t>O</a:t>
+            </a:r>
+            <a:endParaRPr lang="en-US" sz="3200" b="0" cap="none" spc="0" dirty="0">
+              <a:ln w="0"/>
+              <a:solidFill>
+                <a:schemeClr val="tx1"/>
+              </a:solidFill>
+              <a:effectLst>
+                <a:outerShdw blurRad="38100" dist="19050" dir="2700000" algn="tl" rotWithShape="0">
+                  <a:schemeClr val="dk1">
+                    <a:alpha val="40000"/>
+                  </a:schemeClr>
+                </a:outerShdw>
+              </a:effectLst>
+            </a:endParaRPr>
+          </a:p>
+        </p:txBody>
+      </p:sp>
+      <p:sp>
+        <p:nvSpPr>
+          <p:cNvPr id="108" name="Rectangle 107">
+            <a:extLst>
+              <a:ext uri="{FF2B5EF4-FFF2-40B4-BE49-F238E27FC236}">
+                <a16:creationId xmlns:a16="http://schemas.microsoft.com/office/drawing/2014/main" id="{EC53F374-D4B5-1F1D-D059-3598873258A7}"/>
+              </a:ext>
+            </a:extLst>
+          </p:cNvPr>
+          <p:cNvSpPr/>
+          <p:nvPr/>
+        </p:nvSpPr>
+        <p:spPr>
+          <a:xfrm>
+            <a:off x="5159586" y="-1"/>
+            <a:ext cx="1292225" cy="1322727"/>
+          </a:xfrm>
+          <a:prstGeom prst="rect">
+            <a:avLst/>
+          </a:prstGeom>
+        </p:spPr>
+        <p:style>
+          <a:lnRef idx="2">
+            <a:schemeClr val="dk1"/>
+          </a:lnRef>
+          <a:fillRef idx="1">
+            <a:schemeClr val="lt1"/>
+          </a:fillRef>
+          <a:effectRef idx="0">
+            <a:schemeClr val="dk1"/>
+          </a:effectRef>
+          <a:fontRef idx="minor">
+            <a:schemeClr val="dk1"/>
+          </a:fontRef>
+        </p:style>
+        <p:txBody>
+          <a:bodyPr rtlCol="0" anchor="ctr"/>
+          <a:lstStyle/>
+          <a:p>
+            <a:pPr algn="ctr"/>
+            <a:endParaRPr lang="en-US"/>
+          </a:p>
+        </p:txBody>
+      </p:sp>
+      <p:sp>
+        <p:nvSpPr>
+          <p:cNvPr id="110" name="Rectangle 109">
+            <a:extLst>
+              <a:ext uri="{FF2B5EF4-FFF2-40B4-BE49-F238E27FC236}">
+                <a16:creationId xmlns:a16="http://schemas.microsoft.com/office/drawing/2014/main" id="{A56FA015-A308-5127-D628-7AE9AD2EBF4D}"/>
+              </a:ext>
+            </a:extLst>
+          </p:cNvPr>
+          <p:cNvSpPr/>
+          <p:nvPr/>
+        </p:nvSpPr>
+        <p:spPr>
+          <a:xfrm>
+            <a:off x="5432841" y="-1"/>
+            <a:ext cx="745717" cy="584775"/>
+          </a:xfrm>
+          <a:prstGeom prst="rect">
+            <a:avLst/>
+          </a:prstGeom>
+          <a:noFill/>
+        </p:spPr>
+        <p:txBody>
+          <a:bodyPr wrap="none" lIns="91440" tIns="45720" rIns="91440" bIns="45720">
+            <a:spAutoFit/>
+          </a:bodyPr>
+          <a:lstStyle/>
+          <a:p>
+            <a:pPr algn="ctr"/>
+            <a:r>
+              <a:rPr lang="en-US" sz="3200" dirty="0">
+                <a:ln w="0"/>
+                <a:effectLst>
+                  <a:outerShdw blurRad="38100" dist="19050" dir="2700000" algn="tl" rotWithShape="0">
+                    <a:schemeClr val="dk1">
+                      <a:alpha val="40000"/>
+                    </a:schemeClr>
+                  </a:outerShdw>
+                </a:effectLst>
+              </a:rPr>
+              <a:t>SO</a:t>
+            </a:r>
+            <a:r>
+              <a:rPr lang="fa-IR" sz="1400" dirty="0">
+                <a:ln w="0"/>
+                <a:effectLst>
+                  <a:outerShdw blurRad="38100" dist="19050" dir="2700000" algn="tl" rotWithShape="0">
+                    <a:schemeClr val="dk1">
+                      <a:alpha val="40000"/>
+                    </a:schemeClr>
+                  </a:outerShdw>
+                </a:effectLst>
+              </a:rPr>
+              <a:t>3</a:t>
+            </a:r>
+            <a:endParaRPr lang="en-US" sz="1400" b="0" cap="none" spc="0" dirty="0">
+              <a:ln w="0"/>
+              <a:solidFill>
+                <a:schemeClr val="tx1"/>
+              </a:solidFill>
+              <a:effectLst>
+                <a:outerShdw blurRad="38100" dist="19050" dir="2700000" algn="tl" rotWithShape="0">
+                  <a:schemeClr val="dk1">
+                    <a:alpha val="40000"/>
+                  </a:schemeClr>
+                </a:outerShdw>
+              </a:effectLst>
+            </a:endParaRPr>
+          </a:p>
+        </p:txBody>
+      </p:sp>
+      <p:pic>
+        <p:nvPicPr>
+          <p:cNvPr id="1028" name="Picture 4" descr="Result">
+            <a:extLst>
+              <a:ext uri="{FF2B5EF4-FFF2-40B4-BE49-F238E27FC236}">
+                <a16:creationId xmlns:a16="http://schemas.microsoft.com/office/drawing/2014/main" id="{C363C5F8-C9A8-7D54-2B48-198FF10F4C5F}"/>
+              </a:ext>
+            </a:extLst>
+          </p:cNvPr>
+          <p:cNvPicPr>
+            <a:picLocks noChangeAspect="1" noChangeArrowheads="1"/>
+          </p:cNvPicPr>
+          <p:nvPr/>
+        </p:nvPicPr>
+        <p:blipFill rotWithShape="1">
+          <a:blip r:embed="rId2">
+            <a:duotone>
+              <a:prstClr val="black"/>
+              <a:schemeClr val="accent1">
+                <a:tint val="45000"/>
+                <a:satMod val="400000"/>
+              </a:schemeClr>
+            </a:duotone>
+            <a:extLst>
+              <a:ext uri="{BEBA8EAE-BF5A-486C-A8C5-ECC9F3942E4B}">
+                <a14:imgProps xmlns:a14="http://schemas.microsoft.com/office/drawing/2010/main">
+                  <a14:imgLayer r:embed="rId3">
+                    <a14:imgEffect>
+                      <a14:artisticLightScreen/>
+                    </a14:imgEffect>
+                    <a14:imgEffect>
+                      <a14:brightnessContrast bright="-40000" contrast="-40000"/>
+                    </a14:imgEffect>
+                  </a14:imgLayer>
+                </a14:imgProps>
+              </a:ext>
+              <a:ext uri="{28A0092B-C50C-407E-A947-70E740481C1C}">
+                <a14:useLocalDpi xmlns:a14="http://schemas.microsoft.com/office/drawing/2010/main" val="0"/>
+              </a:ext>
+            </a:extLst>
+          </a:blip>
+          <a:srcRect r="61617"/>
+          <a:stretch/>
+        </p:blipFill>
+        <p:spPr bwMode="auto">
+          <a:xfrm>
+            <a:off x="137275" y="342084"/>
+            <a:ext cx="1063988" cy="748440"/>
+          </a:xfrm>
+          <a:prstGeom prst="rect">
+            <a:avLst/>
+          </a:prstGeom>
+          <a:noFill/>
+          <a:extLst>
+            <a:ext uri="{909E8E84-426E-40DD-AFC4-6F175D3DCCD1}">
+              <a14:hiddenFill xmlns:a14="http://schemas.microsoft.com/office/drawing/2010/main">
+                <a:solidFill>
+                  <a:srgbClr val="FFFFFF"/>
+                </a:solidFill>
+              </a14:hiddenFill>
+            </a:ext>
+          </a:extLst>
+        </p:spPr>
+      </p:pic>
     </p:spTree>
     <p:extLst>
       <p:ext uri="{BB962C8B-B14F-4D97-AF65-F5344CB8AC3E}">
@@ -3339,10 +3683,40 @@
 </p:sld>
 </file>
 
+<file path=ppt/slides/slide2.xml><?xml version="1.0" encoding="utf-8"?>
+<p:sld xmlns:a="http://schemas.openxmlformats.org/drawingml/2006/main" xmlns:r="http://schemas.openxmlformats.org/officeDocument/2006/relationships" xmlns:p="http://schemas.openxmlformats.org/presentationml/2006/main">
+  <p:cSld>
+    <p:spTree>
+      <p:nvGrpSpPr>
+        <p:cNvPr id="1" name=""/>
+        <p:cNvGrpSpPr/>
+        <p:nvPr/>
+      </p:nvGrpSpPr>
+      <p:grpSpPr>
+        <a:xfrm>
+          <a:off x="0" y="0"/>
+          <a:ext cx="0" cy="0"/>
+          <a:chOff x="0" y="0"/>
+          <a:chExt cx="0" cy="0"/>
+        </a:xfrm>
+      </p:grpSpPr>
+    </p:spTree>
+    <p:extLst>
+      <p:ext uri="{BB962C8B-B14F-4D97-AF65-F5344CB8AC3E}">
+        <p14:creationId xmlns:p14="http://schemas.microsoft.com/office/powerpoint/2010/main" val="3391652257"/>
+      </p:ext>
+    </p:extLst>
+  </p:cSld>
+  <p:clrMapOvr>
+    <a:masterClrMapping/>
+  </p:clrMapOvr>
+</p:sld>
+</file>
+
 <file path=ppt/theme/theme1.xml><?xml version="1.0" encoding="utf-8"?>
 <a:theme xmlns:a="http://schemas.openxmlformats.org/drawingml/2006/main" name="Office Theme">
   <a:themeElements>
-    <a:clrScheme name="Office">
+    <a:clrScheme name="Office Theme">
       <a:dk1>
         <a:sysClr val="windowText" lastClr="000000"/>
       </a:dk1>
@@ -3380,7 +3754,7 @@
         <a:srgbClr val="954F72"/>
       </a:folHlink>
     </a:clrScheme>
-    <a:fontScheme name="Office">
+    <a:fontScheme name="Office Theme">
       <a:majorFont>
         <a:latin typeface="Calibri Light" panose="020F0302020204030204"/>
         <a:ea typeface=""/>
@@ -3415,23 +3789,6 @@
         <a:font script="Viet" typeface="Times New Roman"/>
         <a:font script="Uigh" typeface="Microsoft Uighur"/>
         <a:font script="Geor" typeface="Sylfaen"/>
-        <a:font script="Armn" typeface="Arial"/>
-        <a:font script="Bugi" typeface="Leelawadee UI"/>
-        <a:font script="Bopo" typeface="Microsoft JhengHei"/>
-        <a:font script="Java" typeface="Javanese Text"/>
-        <a:font script="Lisu" typeface="Segoe UI"/>
-        <a:font script="Mymr" typeface="Myanmar Text"/>
-        <a:font script="Nkoo" typeface="Ebrima"/>
-        <a:font script="Olck" typeface="Nirmala UI"/>
-        <a:font script="Osma" typeface="Ebrima"/>
-        <a:font script="Phag" typeface="Phagspa"/>
-        <a:font script="Syrn" typeface="Estrangelo Edessa"/>
-        <a:font script="Syrj" typeface="Estrangelo Edessa"/>
-        <a:font script="Syre" typeface="Estrangelo Edessa"/>
-        <a:font script="Sora" typeface="Nirmala UI"/>
-        <a:font script="Tale" typeface="Microsoft Tai Le"/>
-        <a:font script="Talu" typeface="Microsoft New Tai Lue"/>
-        <a:font script="Tfng" typeface="Ebrima"/>
       </a:majorFont>
       <a:minorFont>
         <a:latin typeface="Calibri" panose="020F0502020204030204"/>
@@ -3467,26 +3824,9 @@
         <a:font script="Viet" typeface="Arial"/>
         <a:font script="Uigh" typeface="Microsoft Uighur"/>
         <a:font script="Geor" typeface="Sylfaen"/>
-        <a:font script="Armn" typeface="Arial"/>
-        <a:font script="Bugi" typeface="Leelawadee UI"/>
-        <a:font script="Bopo" typeface="Microsoft JhengHei"/>
-        <a:font script="Java" typeface="Javanese Text"/>
-        <a:font script="Lisu" typeface="Segoe UI"/>
-        <a:font script="Mymr" typeface="Myanmar Text"/>
-        <a:font script="Nkoo" typeface="Ebrima"/>
-        <a:font script="Olck" typeface="Nirmala UI"/>
-        <a:font script="Osma" typeface="Ebrima"/>
-        <a:font script="Phag" typeface="Phagspa"/>
-        <a:font script="Syrn" typeface="Estrangelo Edessa"/>
-        <a:font script="Syrj" typeface="Estrangelo Edessa"/>
-        <a:font script="Syre" typeface="Estrangelo Edessa"/>
-        <a:font script="Sora" typeface="Nirmala UI"/>
-        <a:font script="Tale" typeface="Microsoft Tai Le"/>
-        <a:font script="Talu" typeface="Microsoft New Tai Lue"/>
-        <a:font script="Tfng" typeface="Ebrima"/>
       </a:minorFont>
     </a:fontScheme>
-    <a:fmtScheme name="Office">
+    <a:fmtScheme name="Office Theme">
       <a:fillStyleLst>
         <a:solidFill>
           <a:schemeClr val="phClr"/>
@@ -3628,7 +3968,7 @@
   <a:extraClrSchemeLst/>
   <a:extLst>
     <a:ext uri="{05A4C25C-085E-4340-85A3-A5531E510DB2}">
-      <thm15:themeFamily xmlns:thm15="http://schemas.microsoft.com/office/thememl/2012/main" name="Office Theme" id="{62F939B6-93AF-4DB8-9C6B-D6C7DFDC589F}" vid="{4A3C46E8-61CC-4603-A589-7422A47A8E4A}"/>
+      <thm15:themeFamily xmlns:thm15="http://schemas.microsoft.com/office/thememl/2012/main" name="Office 2013 - 2022 Theme" id="{62F939B6-93AF-4DB8-9C6B-D6C7DFDC589F}" vid="{4A3C46E8-61CC-4603-A589-7422A47A8E4A}"/>
     </a:ext>
   </a:extLst>
 </a:theme>
